--- a/assi_1A2B.pptx
+++ b/assi_1A2B.pptx
@@ -5164,6 +5164,8 @@
                     <a:lumMod val="95000"/>
                   </a:schemeClr>
                 </a:solidFill>
+                <a:latin typeface="微軟正黑體" panose="020B0604030504040204" pitchFamily="34" charset="-120"/>
+                <a:ea typeface="微軟正黑體" panose="020B0604030504040204" pitchFamily="34" charset="-120"/>
               </a:rPr>
               <a:t>可隨機也可以自訂</a:t>
             </a:r>
@@ -5173,6 +5175,8 @@
                   <a:lumMod val="95000"/>
                 </a:schemeClr>
               </a:solidFill>
+              <a:latin typeface="微軟正黑體" panose="020B0604030504040204" pitchFamily="34" charset="-120"/>
+              <a:ea typeface="微軟正黑體" panose="020B0604030504040204" pitchFamily="34" charset="-120"/>
             </a:endParaRPr>
           </a:p>
           <a:p>
@@ -5190,6 +5194,8 @@
                     <a:lumMod val="95000"/>
                   </a:schemeClr>
                 </a:solidFill>
+                <a:latin typeface="微軟正黑體" panose="020B0604030504040204" pitchFamily="34" charset="-120"/>
+                <a:ea typeface="微軟正黑體" panose="020B0604030504040204" pitchFamily="34" charset="-120"/>
               </a:rPr>
               <a:t>在</a:t>
             </a:r>
@@ -5200,6 +5206,8 @@
                     <a:lumMod val="95000"/>
                   </a:schemeClr>
                 </a:solidFill>
+                <a:latin typeface="微軟正黑體" panose="020B0604030504040204" pitchFamily="34" charset="-120"/>
+                <a:ea typeface="微軟正黑體" panose="020B0604030504040204" pitchFamily="34" charset="-120"/>
               </a:rPr>
               <a:t>0~9</a:t>
             </a:r>
@@ -5210,6 +5218,8 @@
                     <a:lumMod val="95000"/>
                   </a:schemeClr>
                 </a:solidFill>
+                <a:latin typeface="微軟正黑體" panose="020B0604030504040204" pitchFamily="34" charset="-120"/>
+                <a:ea typeface="微軟正黑體" panose="020B0604030504040204" pitchFamily="34" charset="-120"/>
               </a:rPr>
               <a:t>裡面抽四次</a:t>
             </a:r>
@@ -5219,6 +5229,8 @@
                   <a:lumMod val="95000"/>
                 </a:schemeClr>
               </a:solidFill>
+              <a:latin typeface="微軟正黑體" panose="020B0604030504040204" pitchFamily="34" charset="-120"/>
+              <a:ea typeface="微軟正黑體" panose="020B0604030504040204" pitchFamily="34" charset="-120"/>
             </a:endParaRPr>
           </a:p>
         </p:txBody>
@@ -8254,6 +8266,8 @@
                     <a:lumMod val="95000"/>
                   </a:schemeClr>
                 </a:solidFill>
+                <a:latin typeface="微軟正黑體" panose="020B0604030504040204" pitchFamily="34" charset="-120"/>
+                <a:ea typeface="微軟正黑體" panose="020B0604030504040204" pitchFamily="34" charset="-120"/>
               </a:rPr>
               <a:t>兩個判斷式</a:t>
             </a:r>
@@ -8263,6 +8277,8 @@
                   <a:lumMod val="95000"/>
                 </a:schemeClr>
               </a:solidFill>
+              <a:latin typeface="微軟正黑體" panose="020B0604030504040204" pitchFamily="34" charset="-120"/>
+              <a:ea typeface="微軟正黑體" panose="020B0604030504040204" pitchFamily="34" charset="-120"/>
             </a:endParaRPr>
           </a:p>
           <a:p>
@@ -8280,6 +8296,8 @@
                     <a:lumMod val="95000"/>
                   </a:schemeClr>
                 </a:solidFill>
+                <a:latin typeface="微軟正黑體" panose="020B0604030504040204" pitchFamily="34" charset="-120"/>
+                <a:ea typeface="微軟正黑體" panose="020B0604030504040204" pitchFamily="34" charset="-120"/>
               </a:rPr>
               <a:t>第一個判斷</a:t>
             </a:r>
@@ -8290,6 +8308,8 @@
                     <a:lumMod val="95000"/>
                   </a:schemeClr>
                 </a:solidFill>
+                <a:latin typeface="微軟正黑體" panose="020B0604030504040204" pitchFamily="34" charset="-120"/>
+                <a:ea typeface="微軟正黑體" panose="020B0604030504040204" pitchFamily="34" charset="-120"/>
               </a:rPr>
               <a:t>長度</a:t>
             </a:r>
@@ -8299,6 +8319,8 @@
                   <a:lumMod val="95000"/>
                 </a:schemeClr>
               </a:solidFill>
+              <a:latin typeface="微軟正黑體" panose="020B0604030504040204" pitchFamily="34" charset="-120"/>
+              <a:ea typeface="微軟正黑體" panose="020B0604030504040204" pitchFamily="34" charset="-120"/>
             </a:endParaRPr>
           </a:p>
           <a:p>
@@ -8316,6 +8338,8 @@
                     <a:lumMod val="95000"/>
                   </a:schemeClr>
                 </a:solidFill>
+                <a:latin typeface="微軟正黑體" panose="020B0604030504040204" pitchFamily="34" charset="-120"/>
+                <a:ea typeface="微軟正黑體" panose="020B0604030504040204" pitchFamily="34" charset="-120"/>
               </a:rPr>
               <a:t>第二個</a:t>
             </a:r>
@@ -8326,6 +8350,8 @@
                     <a:lumMod val="95000"/>
                   </a:schemeClr>
                 </a:solidFill>
+                <a:latin typeface="微軟正黑體" panose="020B0604030504040204" pitchFamily="34" charset="-120"/>
+                <a:ea typeface="微軟正黑體" panose="020B0604030504040204" pitchFamily="34" charset="-120"/>
               </a:rPr>
               <a:t>判斷是不是數字</a:t>
             </a:r>
@@ -8335,6 +8361,8 @@
                   <a:lumMod val="95000"/>
                 </a:schemeClr>
               </a:solidFill>
+              <a:latin typeface="微軟正黑體" panose="020B0604030504040204" pitchFamily="34" charset="-120"/>
+              <a:ea typeface="微軟正黑體" panose="020B0604030504040204" pitchFamily="34" charset="-120"/>
             </a:endParaRPr>
           </a:p>
           <a:p>
@@ -8352,6 +8380,8 @@
                     <a:lumMod val="95000"/>
                   </a:schemeClr>
                 </a:solidFill>
+                <a:latin typeface="微軟正黑體" panose="020B0604030504040204" pitchFamily="34" charset="-120"/>
+                <a:ea typeface="微軟正黑體" panose="020B0604030504040204" pitchFamily="34" charset="-120"/>
               </a:rPr>
               <a:t>全都符合才會過</a:t>
             </a:r>
@@ -8361,6 +8391,8 @@
                   <a:lumMod val="95000"/>
                 </a:schemeClr>
               </a:solidFill>
+              <a:latin typeface="微軟正黑體" panose="020B0604030504040204" pitchFamily="34" charset="-120"/>
+              <a:ea typeface="微軟正黑體" panose="020B0604030504040204" pitchFamily="34" charset="-120"/>
             </a:endParaRPr>
           </a:p>
         </p:txBody>
@@ -8547,6 +8579,8 @@
                     <a:lumMod val="95000"/>
                   </a:schemeClr>
                 </a:solidFill>
+                <a:latin typeface="微軟正黑體" panose="020B0604030504040204" pitchFamily="34" charset="-120"/>
+                <a:ea typeface="微軟正黑體" panose="020B0604030504040204" pitchFamily="34" charset="-120"/>
               </a:rPr>
               <a:t>就這樣</a:t>
             </a:r>
@@ -8556,6 +8590,8 @@
                   <a:lumMod val="95000"/>
                 </a:schemeClr>
               </a:solidFill>
+              <a:latin typeface="微軟正黑體" panose="020B0604030504040204" pitchFamily="34" charset="-120"/>
+              <a:ea typeface="微軟正黑體" panose="020B0604030504040204" pitchFamily="34" charset="-120"/>
             </a:endParaRPr>
           </a:p>
           <a:p>
@@ -8573,8 +8609,22 @@
                     <a:lumMod val="95000"/>
                   </a:schemeClr>
                 </a:solidFill>
-              </a:rPr>
-              <a:t>記得要輪流玩</a:t>
+                <a:latin typeface="微軟正黑體" panose="020B0604030504040204" pitchFamily="34" charset="-120"/>
+                <a:ea typeface="微軟正黑體" panose="020B0604030504040204" pitchFamily="34" charset="-120"/>
+              </a:rPr>
+              <a:t>記得要輪流</a:t>
+            </a:r>
+            <a:r>
+              <a:rPr lang="zh-TW" altLang="en-US" sz="2000" dirty="0" smtClean="0">
+                <a:solidFill>
+                  <a:schemeClr val="bg1">
+                    <a:lumMod val="95000"/>
+                  </a:schemeClr>
+                </a:solidFill>
+                <a:latin typeface="微軟正黑體" panose="020B0604030504040204" pitchFamily="34" charset="-120"/>
+                <a:ea typeface="微軟正黑體" panose="020B0604030504040204" pitchFamily="34" charset="-120"/>
+              </a:rPr>
+              <a:t>玩</a:t>
             </a:r>
             <a:endParaRPr lang="en-US" altLang="zh-TW" sz="2000" dirty="0" smtClean="0">
               <a:solidFill>
@@ -8582,6 +8632,38 @@
                   <a:lumMod val="95000"/>
                 </a:schemeClr>
               </a:solidFill>
+              <a:latin typeface="微軟正黑體" panose="020B0604030504040204" pitchFamily="34" charset="-120"/>
+              <a:ea typeface="微軟正黑體" panose="020B0604030504040204" pitchFamily="34" charset="-120"/>
+            </a:endParaRPr>
+          </a:p>
+          <a:p>
+            <a:pPr marL="342900" indent="-342900">
+              <a:lnSpc>
+                <a:spcPct val="150000"/>
+              </a:lnSpc>
+              <a:buFont typeface="Arial" panose="020B0604020202020204" pitchFamily="34" charset="0"/>
+              <a:buChar char="•"/>
+            </a:pPr>
+            <a:r>
+              <a:rPr lang="zh-TW" altLang="en-US" sz="2000" smtClean="0">
+                <a:solidFill>
+                  <a:schemeClr val="bg1">
+                    <a:lumMod val="95000"/>
+                  </a:schemeClr>
+                </a:solidFill>
+                <a:latin typeface="微軟正黑體" panose="020B0604030504040204" pitchFamily="34" charset="-120"/>
+                <a:ea typeface="微軟正黑體" panose="020B0604030504040204" pitchFamily="34" charset="-120"/>
+              </a:rPr>
+              <a:t>剩下的是魔法</a:t>
+            </a:r>
+            <a:endParaRPr lang="en-US" altLang="zh-TW" sz="2000" dirty="0" smtClean="0">
+              <a:solidFill>
+                <a:schemeClr val="bg1">
+                  <a:lumMod val="95000"/>
+                </a:schemeClr>
+              </a:solidFill>
+              <a:latin typeface="微軟正黑體" panose="020B0604030504040204" pitchFamily="34" charset="-120"/>
+              <a:ea typeface="微軟正黑體" panose="020B0604030504040204" pitchFamily="34" charset="-120"/>
             </a:endParaRPr>
           </a:p>
         </p:txBody>
@@ -8777,6 +8859,8 @@
                     <a:lumMod val="95000"/>
                   </a:schemeClr>
                 </a:solidFill>
+                <a:latin typeface="微軟正黑體" panose="020B0604030504040204" pitchFamily="34" charset="-120"/>
+                <a:ea typeface="微軟正黑體" panose="020B0604030504040204" pitchFamily="34" charset="-120"/>
               </a:rPr>
               <a:t>沒有</a:t>
             </a:r>
@@ -8787,6 +8871,8 @@
                     <a:lumMod val="95000"/>
                   </a:schemeClr>
                 </a:solidFill>
+                <a:latin typeface="微軟正黑體" panose="020B0604030504040204" pitchFamily="34" charset="-120"/>
+                <a:ea typeface="微軟正黑體" panose="020B0604030504040204" pitchFamily="34" charset="-120"/>
               </a:rPr>
               <a:t>人</a:t>
             </a:r>
@@ -8797,6 +8883,8 @@
                     <a:lumMod val="95000"/>
                   </a:schemeClr>
                 </a:solidFill>
+                <a:latin typeface="微軟正黑體" panose="020B0604030504040204" pitchFamily="34" charset="-120"/>
+                <a:ea typeface="微軟正黑體" panose="020B0604030504040204" pitchFamily="34" charset="-120"/>
               </a:rPr>
               <a:t>這樣寫程式</a:t>
             </a:r>
@@ -8806,6 +8894,8 @@
                   <a:lumMod val="95000"/>
                 </a:schemeClr>
               </a:solidFill>
+              <a:latin typeface="微軟正黑體" panose="020B0604030504040204" pitchFamily="34" charset="-120"/>
+              <a:ea typeface="微軟正黑體" panose="020B0604030504040204" pitchFamily="34" charset="-120"/>
             </a:endParaRPr>
           </a:p>
           <a:p>
@@ -8823,6 +8913,8 @@
                     <a:lumMod val="95000"/>
                   </a:schemeClr>
                 </a:solidFill>
+                <a:latin typeface="微軟正黑體" panose="020B0604030504040204" pitchFamily="34" charset="-120"/>
+                <a:ea typeface="微軟正黑體" panose="020B0604030504040204" pitchFamily="34" charset="-120"/>
               </a:rPr>
               <a:t>但比較好看</a:t>
             </a:r>
@@ -8832,6 +8924,8 @@
                   <a:lumMod val="95000"/>
                 </a:schemeClr>
               </a:solidFill>
+              <a:latin typeface="微軟正黑體" panose="020B0604030504040204" pitchFamily="34" charset="-120"/>
+              <a:ea typeface="微軟正黑體" panose="020B0604030504040204" pitchFamily="34" charset="-120"/>
             </a:endParaRPr>
           </a:p>
         </p:txBody>

--- a/assi_1A2B.pptx
+++ b/assi_1A2B.pptx
@@ -210,7 +210,7 @@
           <a:p>
             <a:fld id="{B1E0D0B8-5A52-4500-A57C-3C5B67571018}" type="datetimeFigureOut">
               <a:rPr lang="zh-TW" altLang="en-US" smtClean="0"/>
-              <a:t>2024/6/4</a:t>
+              <a:t>2024/6/6</a:t>
             </a:fld>
             <a:endParaRPr lang="zh-TW" altLang="en-US"/>
           </a:p>
@@ -274,38 +274,37 @@
           <a:p>
             <a:pPr lvl="0"/>
             <a:r>
-              <a:rPr lang="zh-TW" altLang="en-US" smtClean="0"/>
+              <a:rPr lang="zh-TW" altLang="en-US"/>
               <a:t>編輯母片文字樣式</a:t>
             </a:r>
           </a:p>
           <a:p>
             <a:pPr lvl="1"/>
             <a:r>
-              <a:rPr lang="zh-TW" altLang="en-US" smtClean="0"/>
+              <a:rPr lang="zh-TW" altLang="en-US"/>
               <a:t>第二層</a:t>
             </a:r>
           </a:p>
           <a:p>
             <a:pPr lvl="2"/>
             <a:r>
-              <a:rPr lang="zh-TW" altLang="en-US" smtClean="0"/>
+              <a:rPr lang="zh-TW" altLang="en-US"/>
               <a:t>第三層</a:t>
             </a:r>
           </a:p>
           <a:p>
             <a:pPr lvl="3"/>
             <a:r>
-              <a:rPr lang="zh-TW" altLang="en-US" smtClean="0"/>
+              <a:rPr lang="zh-TW" altLang="en-US"/>
               <a:t>第四層</a:t>
             </a:r>
           </a:p>
           <a:p>
             <a:pPr lvl="4"/>
             <a:r>
-              <a:rPr lang="zh-TW" altLang="en-US" smtClean="0"/>
+              <a:rPr lang="zh-TW" altLang="en-US"/>
               <a:t>第五層</a:t>
             </a:r>
-            <a:endParaRPr lang="zh-TW" altLang="en-US"/>
           </a:p>
         </p:txBody>
       </p:sp>
@@ -604,10 +603,9 @@
           </a:lstStyle>
           <a:p>
             <a:r>
-              <a:rPr lang="zh-TW" altLang="en-US" dirty="0" smtClean="0"/>
+              <a:rPr lang="zh-TW" altLang="en-US" dirty="0"/>
               <a:t>按一下以編輯母片標題樣式</a:t>
             </a:r>
-            <a:endParaRPr lang="zh-TW" altLang="en-US" dirty="0"/>
           </a:p>
         </p:txBody>
       </p:sp>
@@ -669,10 +667,9 @@
           </a:lstStyle>
           <a:p>
             <a:r>
-              <a:rPr lang="zh-TW" altLang="en-US" smtClean="0"/>
+              <a:rPr lang="zh-TW" altLang="en-US"/>
               <a:t>按一下以編輯母片副標題樣式</a:t>
             </a:r>
-            <a:endParaRPr lang="zh-TW" altLang="en-US"/>
           </a:p>
         </p:txBody>
       </p:sp>
@@ -693,7 +690,7 @@
           <a:p>
             <a:fld id="{B7272890-F69D-449F-B0CE-0F9649D5B9FA}" type="datetimeFigureOut">
               <a:rPr lang="zh-TW" altLang="en-US" smtClean="0"/>
-              <a:t>2024/6/4</a:t>
+              <a:t>2024/6/6</a:t>
             </a:fld>
             <a:endParaRPr lang="zh-TW" altLang="en-US"/>
           </a:p>
@@ -934,13 +931,6 @@
   <p:clrMapOvr>
     <a:masterClrMapping/>
   </p:clrMapOvr>
-  <p:timing>
-    <p:tnLst>
-      <p:par>
-        <p:cTn id="1" dur="indefinite" restart="never" nodeType="tmRoot"/>
-      </p:par>
-    </p:tnLst>
-  </p:timing>
 </p:sldLayout>
 </file>
 
@@ -977,10 +967,9 @@
           <a:lstStyle/>
           <a:p>
             <a:r>
-              <a:rPr lang="zh-TW" altLang="en-US" smtClean="0"/>
+              <a:rPr lang="zh-TW" altLang="en-US"/>
               <a:t>按一下以編輯母片標題樣式</a:t>
             </a:r>
-            <a:endParaRPr lang="zh-TW" altLang="en-US"/>
           </a:p>
         </p:txBody>
       </p:sp>
@@ -1001,38 +990,37 @@
           <a:p>
             <a:pPr lvl="0"/>
             <a:r>
-              <a:rPr lang="zh-TW" altLang="en-US" smtClean="0"/>
+              <a:rPr lang="zh-TW" altLang="en-US"/>
               <a:t>編輯母片文字樣式</a:t>
             </a:r>
           </a:p>
           <a:p>
             <a:pPr lvl="1"/>
             <a:r>
-              <a:rPr lang="zh-TW" altLang="en-US" smtClean="0"/>
+              <a:rPr lang="zh-TW" altLang="en-US"/>
               <a:t>第二層</a:t>
             </a:r>
           </a:p>
           <a:p>
             <a:pPr lvl="2"/>
             <a:r>
-              <a:rPr lang="zh-TW" altLang="en-US" smtClean="0"/>
+              <a:rPr lang="zh-TW" altLang="en-US"/>
               <a:t>第三層</a:t>
             </a:r>
           </a:p>
           <a:p>
             <a:pPr lvl="3"/>
             <a:r>
-              <a:rPr lang="zh-TW" altLang="en-US" smtClean="0"/>
+              <a:rPr lang="zh-TW" altLang="en-US"/>
               <a:t>第四層</a:t>
             </a:r>
           </a:p>
           <a:p>
             <a:pPr lvl="4"/>
             <a:r>
-              <a:rPr lang="zh-TW" altLang="en-US" smtClean="0"/>
+              <a:rPr lang="zh-TW" altLang="en-US"/>
               <a:t>第五層</a:t>
             </a:r>
-            <a:endParaRPr lang="zh-TW" altLang="en-US"/>
           </a:p>
         </p:txBody>
       </p:sp>
@@ -1053,7 +1041,7 @@
           <a:p>
             <a:fld id="{B7272890-F69D-449F-B0CE-0F9649D5B9FA}" type="datetimeFigureOut">
               <a:rPr lang="zh-TW" altLang="en-US" smtClean="0"/>
-              <a:t>2024/6/4</a:t>
+              <a:t>2024/6/6</a:t>
             </a:fld>
             <a:endParaRPr lang="zh-TW" altLang="en-US"/>
           </a:p>
@@ -1238,13 +1226,6 @@
   <p:clrMapOvr>
     <a:masterClrMapping/>
   </p:clrMapOvr>
-  <p:timing>
-    <p:tnLst>
-      <p:par>
-        <p:cTn id="1" dur="indefinite" restart="never" nodeType="tmRoot"/>
-      </p:par>
-    </p:tnLst>
-  </p:timing>
 </p:sldLayout>
 </file>
 
@@ -1286,10 +1267,9 @@
           <a:lstStyle/>
           <a:p>
             <a:r>
-              <a:rPr lang="zh-TW" altLang="en-US" smtClean="0"/>
+              <a:rPr lang="zh-TW" altLang="en-US"/>
               <a:t>按一下以編輯母片標題樣式</a:t>
             </a:r>
-            <a:endParaRPr lang="zh-TW" altLang="en-US"/>
           </a:p>
         </p:txBody>
       </p:sp>
@@ -1315,38 +1295,37 @@
           <a:p>
             <a:pPr lvl="0"/>
             <a:r>
-              <a:rPr lang="zh-TW" altLang="en-US" smtClean="0"/>
+              <a:rPr lang="zh-TW" altLang="en-US"/>
               <a:t>編輯母片文字樣式</a:t>
             </a:r>
           </a:p>
           <a:p>
             <a:pPr lvl="1"/>
             <a:r>
-              <a:rPr lang="zh-TW" altLang="en-US" smtClean="0"/>
+              <a:rPr lang="zh-TW" altLang="en-US"/>
               <a:t>第二層</a:t>
             </a:r>
           </a:p>
           <a:p>
             <a:pPr lvl="2"/>
             <a:r>
-              <a:rPr lang="zh-TW" altLang="en-US" smtClean="0"/>
+              <a:rPr lang="zh-TW" altLang="en-US"/>
               <a:t>第三層</a:t>
             </a:r>
           </a:p>
           <a:p>
             <a:pPr lvl="3"/>
             <a:r>
-              <a:rPr lang="zh-TW" altLang="en-US" smtClean="0"/>
+              <a:rPr lang="zh-TW" altLang="en-US"/>
               <a:t>第四層</a:t>
             </a:r>
           </a:p>
           <a:p>
             <a:pPr lvl="4"/>
             <a:r>
-              <a:rPr lang="zh-TW" altLang="en-US" smtClean="0"/>
+              <a:rPr lang="zh-TW" altLang="en-US"/>
               <a:t>第五層</a:t>
             </a:r>
-            <a:endParaRPr lang="zh-TW" altLang="en-US"/>
           </a:p>
         </p:txBody>
       </p:sp>
@@ -1367,7 +1346,7 @@
           <a:p>
             <a:fld id="{B7272890-F69D-449F-B0CE-0F9649D5B9FA}" type="datetimeFigureOut">
               <a:rPr lang="zh-TW" altLang="en-US" smtClean="0"/>
-              <a:t>2024/6/4</a:t>
+              <a:t>2024/6/6</a:t>
             </a:fld>
             <a:endParaRPr lang="zh-TW" altLang="en-US"/>
           </a:p>
@@ -1552,13 +1531,6 @@
   <p:clrMapOvr>
     <a:masterClrMapping/>
   </p:clrMapOvr>
-  <p:timing>
-    <p:tnLst>
-      <p:par>
-        <p:cTn id="1" dur="indefinite" restart="never" nodeType="tmRoot"/>
-      </p:par>
-    </p:tnLst>
-  </p:timing>
 </p:sldLayout>
 </file>
 
@@ -1595,10 +1567,9 @@
           <a:lstStyle/>
           <a:p>
             <a:r>
-              <a:rPr lang="zh-TW" altLang="en-US" smtClean="0"/>
+              <a:rPr lang="zh-TW" altLang="en-US"/>
               <a:t>按一下以編輯母片標題樣式</a:t>
             </a:r>
-            <a:endParaRPr lang="zh-TW" altLang="en-US"/>
           </a:p>
         </p:txBody>
       </p:sp>
@@ -1619,38 +1590,37 @@
           <a:p>
             <a:pPr lvl="0"/>
             <a:r>
-              <a:rPr lang="zh-TW" altLang="en-US" smtClean="0"/>
+              <a:rPr lang="zh-TW" altLang="en-US"/>
               <a:t>編輯母片文字樣式</a:t>
             </a:r>
           </a:p>
           <a:p>
             <a:pPr lvl="1"/>
             <a:r>
-              <a:rPr lang="zh-TW" altLang="en-US" smtClean="0"/>
+              <a:rPr lang="zh-TW" altLang="en-US"/>
               <a:t>第二層</a:t>
             </a:r>
           </a:p>
           <a:p>
             <a:pPr lvl="2"/>
             <a:r>
-              <a:rPr lang="zh-TW" altLang="en-US" smtClean="0"/>
+              <a:rPr lang="zh-TW" altLang="en-US"/>
               <a:t>第三層</a:t>
             </a:r>
           </a:p>
           <a:p>
             <a:pPr lvl="3"/>
             <a:r>
-              <a:rPr lang="zh-TW" altLang="en-US" smtClean="0"/>
+              <a:rPr lang="zh-TW" altLang="en-US"/>
               <a:t>第四層</a:t>
             </a:r>
           </a:p>
           <a:p>
             <a:pPr lvl="4"/>
             <a:r>
-              <a:rPr lang="zh-TW" altLang="en-US" smtClean="0"/>
+              <a:rPr lang="zh-TW" altLang="en-US"/>
               <a:t>第五層</a:t>
             </a:r>
-            <a:endParaRPr lang="zh-TW" altLang="en-US"/>
           </a:p>
         </p:txBody>
       </p:sp>
@@ -1671,7 +1641,7 @@
           <a:p>
             <a:fld id="{B7272890-F69D-449F-B0CE-0F9649D5B9FA}" type="datetimeFigureOut">
               <a:rPr lang="zh-TW" altLang="en-US" smtClean="0"/>
-              <a:t>2024/6/4</a:t>
+              <a:t>2024/6/6</a:t>
             </a:fld>
             <a:endParaRPr lang="zh-TW" altLang="en-US"/>
           </a:p>
@@ -1856,13 +1826,6 @@
   <p:clrMapOvr>
     <a:masterClrMapping/>
   </p:clrMapOvr>
-  <p:timing>
-    <p:tnLst>
-      <p:par>
-        <p:cTn id="1" dur="indefinite" restart="never" nodeType="tmRoot"/>
-      </p:par>
-    </p:tnLst>
-  </p:timing>
 </p:sldLayout>
 </file>
 
@@ -1908,10 +1871,9 @@
           </a:lstStyle>
           <a:p>
             <a:r>
-              <a:rPr lang="zh-TW" altLang="en-US" smtClean="0"/>
+              <a:rPr lang="zh-TW" altLang="en-US"/>
               <a:t>按一下以編輯母片標題樣式</a:t>
             </a:r>
-            <a:endParaRPr lang="zh-TW" altLang="en-US"/>
           </a:p>
         </p:txBody>
       </p:sp>
@@ -2028,7 +1990,7 @@
           <a:p>
             <a:pPr lvl="0"/>
             <a:r>
-              <a:rPr lang="zh-TW" altLang="en-US" smtClean="0"/>
+              <a:rPr lang="zh-TW" altLang="en-US"/>
               <a:t>編輯母片文字樣式</a:t>
             </a:r>
           </a:p>
@@ -2051,7 +2013,7 @@
           <a:p>
             <a:fld id="{B7272890-F69D-449F-B0CE-0F9649D5B9FA}" type="datetimeFigureOut">
               <a:rPr lang="zh-TW" altLang="en-US" smtClean="0"/>
-              <a:t>2024/6/4</a:t>
+              <a:t>2024/6/6</a:t>
             </a:fld>
             <a:endParaRPr lang="zh-TW" altLang="en-US"/>
           </a:p>
@@ -2236,13 +2198,6 @@
   <p:clrMapOvr>
     <a:masterClrMapping/>
   </p:clrMapOvr>
-  <p:timing>
-    <p:tnLst>
-      <p:par>
-        <p:cTn id="1" dur="indefinite" restart="never" nodeType="tmRoot"/>
-      </p:par>
-    </p:tnLst>
-  </p:timing>
 </p:sldLayout>
 </file>
 
@@ -2279,10 +2234,9 @@
           <a:lstStyle/>
           <a:p>
             <a:r>
-              <a:rPr lang="zh-TW" altLang="en-US" smtClean="0"/>
+              <a:rPr lang="zh-TW" altLang="en-US"/>
               <a:t>按一下以編輯母片標題樣式</a:t>
             </a:r>
-            <a:endParaRPr lang="zh-TW" altLang="en-US"/>
           </a:p>
         </p:txBody>
       </p:sp>
@@ -2308,38 +2262,37 @@
           <a:p>
             <a:pPr lvl="0"/>
             <a:r>
-              <a:rPr lang="zh-TW" altLang="en-US" smtClean="0"/>
+              <a:rPr lang="zh-TW" altLang="en-US"/>
               <a:t>編輯母片文字樣式</a:t>
             </a:r>
           </a:p>
           <a:p>
             <a:pPr lvl="1"/>
             <a:r>
-              <a:rPr lang="zh-TW" altLang="en-US" smtClean="0"/>
+              <a:rPr lang="zh-TW" altLang="en-US"/>
               <a:t>第二層</a:t>
             </a:r>
           </a:p>
           <a:p>
             <a:pPr lvl="2"/>
             <a:r>
-              <a:rPr lang="zh-TW" altLang="en-US" smtClean="0"/>
+              <a:rPr lang="zh-TW" altLang="en-US"/>
               <a:t>第三層</a:t>
             </a:r>
           </a:p>
           <a:p>
             <a:pPr lvl="3"/>
             <a:r>
-              <a:rPr lang="zh-TW" altLang="en-US" smtClean="0"/>
+              <a:rPr lang="zh-TW" altLang="en-US"/>
               <a:t>第四層</a:t>
             </a:r>
           </a:p>
           <a:p>
             <a:pPr lvl="4"/>
             <a:r>
-              <a:rPr lang="zh-TW" altLang="en-US" smtClean="0"/>
+              <a:rPr lang="zh-TW" altLang="en-US"/>
               <a:t>第五層</a:t>
             </a:r>
-            <a:endParaRPr lang="zh-TW" altLang="en-US"/>
           </a:p>
         </p:txBody>
       </p:sp>
@@ -2365,38 +2318,37 @@
           <a:p>
             <a:pPr lvl="0"/>
             <a:r>
-              <a:rPr lang="zh-TW" altLang="en-US" smtClean="0"/>
+              <a:rPr lang="zh-TW" altLang="en-US"/>
               <a:t>編輯母片文字樣式</a:t>
             </a:r>
           </a:p>
           <a:p>
             <a:pPr lvl="1"/>
             <a:r>
-              <a:rPr lang="zh-TW" altLang="en-US" smtClean="0"/>
+              <a:rPr lang="zh-TW" altLang="en-US"/>
               <a:t>第二層</a:t>
             </a:r>
           </a:p>
           <a:p>
             <a:pPr lvl="2"/>
             <a:r>
-              <a:rPr lang="zh-TW" altLang="en-US" smtClean="0"/>
+              <a:rPr lang="zh-TW" altLang="en-US"/>
               <a:t>第三層</a:t>
             </a:r>
           </a:p>
           <a:p>
             <a:pPr lvl="3"/>
             <a:r>
-              <a:rPr lang="zh-TW" altLang="en-US" smtClean="0"/>
+              <a:rPr lang="zh-TW" altLang="en-US"/>
               <a:t>第四層</a:t>
             </a:r>
           </a:p>
           <a:p>
             <a:pPr lvl="4"/>
             <a:r>
-              <a:rPr lang="zh-TW" altLang="en-US" smtClean="0"/>
+              <a:rPr lang="zh-TW" altLang="en-US"/>
               <a:t>第五層</a:t>
             </a:r>
-            <a:endParaRPr lang="zh-TW" altLang="en-US"/>
           </a:p>
         </p:txBody>
       </p:sp>
@@ -2417,7 +2369,7 @@
           <a:p>
             <a:fld id="{B7272890-F69D-449F-B0CE-0F9649D5B9FA}" type="datetimeFigureOut">
               <a:rPr lang="zh-TW" altLang="en-US" smtClean="0"/>
-              <a:t>2024/6/4</a:t>
+              <a:t>2024/6/6</a:t>
             </a:fld>
             <a:endParaRPr lang="zh-TW" altLang="en-US"/>
           </a:p>
@@ -2602,13 +2554,6 @@
   <p:clrMapOvr>
     <a:masterClrMapping/>
   </p:clrMapOvr>
-  <p:timing>
-    <p:tnLst>
-      <p:par>
-        <p:cTn id="1" dur="indefinite" restart="never" nodeType="tmRoot"/>
-      </p:par>
-    </p:tnLst>
-  </p:timing>
 </p:sldLayout>
 </file>
 
@@ -2777,10 +2722,9 @@
           <a:lstStyle/>
           <a:p>
             <a:r>
-              <a:rPr lang="zh-TW" altLang="en-US" smtClean="0"/>
+              <a:rPr lang="zh-TW" altLang="en-US"/>
               <a:t>按一下以編輯母片標題樣式</a:t>
             </a:r>
-            <a:endParaRPr lang="zh-TW" altLang="en-US"/>
           </a:p>
         </p:txBody>
       </p:sp>
@@ -2843,7 +2787,7 @@
           <a:p>
             <a:pPr lvl="0"/>
             <a:r>
-              <a:rPr lang="zh-TW" altLang="en-US" smtClean="0"/>
+              <a:rPr lang="zh-TW" altLang="en-US"/>
               <a:t>編輯母片文字樣式</a:t>
             </a:r>
           </a:p>
@@ -2871,38 +2815,37 @@
           <a:p>
             <a:pPr lvl="0"/>
             <a:r>
-              <a:rPr lang="zh-TW" altLang="en-US" smtClean="0"/>
+              <a:rPr lang="zh-TW" altLang="en-US"/>
               <a:t>編輯母片文字樣式</a:t>
             </a:r>
           </a:p>
           <a:p>
             <a:pPr lvl="1"/>
             <a:r>
-              <a:rPr lang="zh-TW" altLang="en-US" smtClean="0"/>
+              <a:rPr lang="zh-TW" altLang="en-US"/>
               <a:t>第二層</a:t>
             </a:r>
           </a:p>
           <a:p>
             <a:pPr lvl="2"/>
             <a:r>
-              <a:rPr lang="zh-TW" altLang="en-US" smtClean="0"/>
+              <a:rPr lang="zh-TW" altLang="en-US"/>
               <a:t>第三層</a:t>
             </a:r>
           </a:p>
           <a:p>
             <a:pPr lvl="3"/>
             <a:r>
-              <a:rPr lang="zh-TW" altLang="en-US" smtClean="0"/>
+              <a:rPr lang="zh-TW" altLang="en-US"/>
               <a:t>第四層</a:t>
             </a:r>
           </a:p>
           <a:p>
             <a:pPr lvl="4"/>
             <a:r>
-              <a:rPr lang="zh-TW" altLang="en-US" smtClean="0"/>
+              <a:rPr lang="zh-TW" altLang="en-US"/>
               <a:t>第五層</a:t>
             </a:r>
-            <a:endParaRPr lang="zh-TW" altLang="en-US"/>
           </a:p>
         </p:txBody>
       </p:sp>
@@ -2965,7 +2908,7 @@
           <a:p>
             <a:pPr lvl="0"/>
             <a:r>
-              <a:rPr lang="zh-TW" altLang="en-US" smtClean="0"/>
+              <a:rPr lang="zh-TW" altLang="en-US"/>
               <a:t>編輯母片文字樣式</a:t>
             </a:r>
           </a:p>
@@ -2993,38 +2936,37 @@
           <a:p>
             <a:pPr lvl="0"/>
             <a:r>
-              <a:rPr lang="zh-TW" altLang="en-US" dirty="0" smtClean="0"/>
+              <a:rPr lang="zh-TW" altLang="en-US" dirty="0"/>
               <a:t>編輯母片文字樣式</a:t>
             </a:r>
           </a:p>
           <a:p>
             <a:pPr lvl="1"/>
             <a:r>
-              <a:rPr lang="zh-TW" altLang="en-US" dirty="0" smtClean="0"/>
+              <a:rPr lang="zh-TW" altLang="en-US" dirty="0"/>
               <a:t>第二層</a:t>
             </a:r>
           </a:p>
           <a:p>
             <a:pPr lvl="2"/>
             <a:r>
-              <a:rPr lang="zh-TW" altLang="en-US" dirty="0" smtClean="0"/>
+              <a:rPr lang="zh-TW" altLang="en-US" dirty="0"/>
               <a:t>第三層</a:t>
             </a:r>
           </a:p>
           <a:p>
             <a:pPr lvl="3"/>
             <a:r>
-              <a:rPr lang="zh-TW" altLang="en-US" dirty="0" smtClean="0"/>
+              <a:rPr lang="zh-TW" altLang="en-US" dirty="0"/>
               <a:t>第四層</a:t>
             </a:r>
           </a:p>
           <a:p>
             <a:pPr lvl="4"/>
             <a:r>
-              <a:rPr lang="zh-TW" altLang="en-US" dirty="0" smtClean="0"/>
+              <a:rPr lang="zh-TW" altLang="en-US" dirty="0"/>
               <a:t>第五層</a:t>
             </a:r>
-            <a:endParaRPr lang="zh-TW" altLang="en-US" dirty="0"/>
           </a:p>
         </p:txBody>
       </p:sp>
@@ -3045,7 +2987,7 @@
           <a:p>
             <a:fld id="{B7272890-F69D-449F-B0CE-0F9649D5B9FA}" type="datetimeFigureOut">
               <a:rPr lang="zh-TW" altLang="en-US" smtClean="0"/>
-              <a:t>2024/6/4</a:t>
+              <a:t>2024/6/6</a:t>
             </a:fld>
             <a:endParaRPr lang="zh-TW" altLang="en-US"/>
           </a:p>
@@ -3103,13 +3045,6 @@
   <p:clrMapOvr>
     <a:masterClrMapping/>
   </p:clrMapOvr>
-  <p:timing>
-    <p:tnLst>
-      <p:par>
-        <p:cTn id="1" dur="indefinite" restart="never" nodeType="tmRoot"/>
-      </p:par>
-    </p:tnLst>
-  </p:timing>
 </p:sldLayout>
 </file>
 
@@ -3146,10 +3081,9 @@
           <a:lstStyle/>
           <a:p>
             <a:r>
-              <a:rPr lang="zh-TW" altLang="en-US" smtClean="0"/>
+              <a:rPr lang="zh-TW" altLang="en-US"/>
               <a:t>按一下以編輯母片標題樣式</a:t>
             </a:r>
-            <a:endParaRPr lang="zh-TW" altLang="en-US"/>
           </a:p>
         </p:txBody>
       </p:sp>
@@ -3170,7 +3104,7 @@
           <a:p>
             <a:fld id="{B7272890-F69D-449F-B0CE-0F9649D5B9FA}" type="datetimeFigureOut">
               <a:rPr lang="zh-TW" altLang="en-US" smtClean="0"/>
-              <a:t>2024/6/4</a:t>
+              <a:t>2024/6/6</a:t>
             </a:fld>
             <a:endParaRPr lang="zh-TW" altLang="en-US"/>
           </a:p>
@@ -3355,13 +3289,6 @@
   <p:clrMapOvr>
     <a:masterClrMapping/>
   </p:clrMapOvr>
-  <p:timing>
-    <p:tnLst>
-      <p:par>
-        <p:cTn id="1" dur="indefinite" restart="never" nodeType="tmRoot"/>
-      </p:par>
-    </p:tnLst>
-  </p:timing>
 </p:sldLayout>
 </file>
 
@@ -3399,7 +3326,7 @@
           <a:p>
             <a:fld id="{B7272890-F69D-449F-B0CE-0F9649D5B9FA}" type="datetimeFigureOut">
               <a:rPr lang="zh-TW" altLang="en-US" smtClean="0"/>
-              <a:t>2024/6/4</a:t>
+              <a:t>2024/6/6</a:t>
             </a:fld>
             <a:endParaRPr lang="zh-TW" altLang="en-US"/>
           </a:p>
@@ -3584,13 +3511,6 @@
   <p:clrMapOvr>
     <a:masterClrMapping/>
   </p:clrMapOvr>
-  <p:timing>
-    <p:tnLst>
-      <p:par>
-        <p:cTn id="1" dur="indefinite" restart="never" nodeType="tmRoot"/>
-      </p:par>
-    </p:tnLst>
-  </p:timing>
 </p:sldLayout>
 </file>
 
@@ -3636,10 +3556,9 @@
           </a:lstStyle>
           <a:p>
             <a:r>
-              <a:rPr lang="zh-TW" altLang="en-US" smtClean="0"/>
+              <a:rPr lang="zh-TW" altLang="en-US"/>
               <a:t>按一下以編輯母片標題樣式</a:t>
             </a:r>
-            <a:endParaRPr lang="zh-TW" altLang="en-US"/>
           </a:p>
         </p:txBody>
       </p:sp>
@@ -3693,38 +3612,37 @@
           <a:p>
             <a:pPr lvl="0"/>
             <a:r>
-              <a:rPr lang="zh-TW" altLang="en-US" smtClean="0"/>
+              <a:rPr lang="zh-TW" altLang="en-US"/>
               <a:t>編輯母片文字樣式</a:t>
             </a:r>
           </a:p>
           <a:p>
             <a:pPr lvl="1"/>
             <a:r>
-              <a:rPr lang="zh-TW" altLang="en-US" smtClean="0"/>
+              <a:rPr lang="zh-TW" altLang="en-US"/>
               <a:t>第二層</a:t>
             </a:r>
           </a:p>
           <a:p>
             <a:pPr lvl="2"/>
             <a:r>
-              <a:rPr lang="zh-TW" altLang="en-US" smtClean="0"/>
+              <a:rPr lang="zh-TW" altLang="en-US"/>
               <a:t>第三層</a:t>
             </a:r>
           </a:p>
           <a:p>
             <a:pPr lvl="3"/>
             <a:r>
-              <a:rPr lang="zh-TW" altLang="en-US" smtClean="0"/>
+              <a:rPr lang="zh-TW" altLang="en-US"/>
               <a:t>第四層</a:t>
             </a:r>
           </a:p>
           <a:p>
             <a:pPr lvl="4"/>
             <a:r>
-              <a:rPr lang="zh-TW" altLang="en-US" smtClean="0"/>
+              <a:rPr lang="zh-TW" altLang="en-US"/>
               <a:t>第五層</a:t>
             </a:r>
-            <a:endParaRPr lang="zh-TW" altLang="en-US"/>
           </a:p>
         </p:txBody>
       </p:sp>
@@ -3787,7 +3705,7 @@
           <a:p>
             <a:pPr lvl="0"/>
             <a:r>
-              <a:rPr lang="zh-TW" altLang="en-US" smtClean="0"/>
+              <a:rPr lang="zh-TW" altLang="en-US"/>
               <a:t>編輯母片文字樣式</a:t>
             </a:r>
           </a:p>
@@ -3810,7 +3728,7 @@
           <a:p>
             <a:fld id="{B7272890-F69D-449F-B0CE-0F9649D5B9FA}" type="datetimeFigureOut">
               <a:rPr lang="zh-TW" altLang="en-US" smtClean="0"/>
-              <a:t>2024/6/4</a:t>
+              <a:t>2024/6/6</a:t>
             </a:fld>
             <a:endParaRPr lang="zh-TW" altLang="en-US"/>
           </a:p>
@@ -3995,13 +3913,6 @@
   <p:clrMapOvr>
     <a:masterClrMapping/>
   </p:clrMapOvr>
-  <p:timing>
-    <p:tnLst>
-      <p:par>
-        <p:cTn id="1" dur="indefinite" restart="never" nodeType="tmRoot"/>
-      </p:par>
-    </p:tnLst>
-  </p:timing>
 </p:sldLayout>
 </file>
 
@@ -4047,10 +3958,9 @@
           </a:lstStyle>
           <a:p>
             <a:r>
-              <a:rPr lang="zh-TW" altLang="en-US" smtClean="0"/>
+              <a:rPr lang="zh-TW" altLang="en-US"/>
               <a:t>按一下以編輯母片標題樣式</a:t>
             </a:r>
-            <a:endParaRPr lang="zh-TW" altLang="en-US"/>
           </a:p>
         </p:txBody>
       </p:sp>
@@ -4174,7 +4084,7 @@
           <a:p>
             <a:pPr lvl="0"/>
             <a:r>
-              <a:rPr lang="zh-TW" altLang="en-US" smtClean="0"/>
+              <a:rPr lang="zh-TW" altLang="en-US"/>
               <a:t>編輯母片文字樣式</a:t>
             </a:r>
           </a:p>
@@ -4197,7 +4107,7 @@
           <a:p>
             <a:fld id="{B7272890-F69D-449F-B0CE-0F9649D5B9FA}" type="datetimeFigureOut">
               <a:rPr lang="zh-TW" altLang="en-US" smtClean="0"/>
-              <a:t>2024/6/4</a:t>
+              <a:t>2024/6/6</a:t>
             </a:fld>
             <a:endParaRPr lang="zh-TW" altLang="en-US"/>
           </a:p>
@@ -4382,13 +4292,6 @@
   <p:clrMapOvr>
     <a:masterClrMapping/>
   </p:clrMapOvr>
-  <p:timing>
-    <p:tnLst>
-      <p:par>
-        <p:cTn id="1" dur="indefinite" restart="never" nodeType="tmRoot"/>
-      </p:par>
-    </p:tnLst>
-  </p:timing>
 </p:sldLayout>
 </file>
 
@@ -4440,10 +4343,9 @@
           <a:lstStyle/>
           <a:p>
             <a:r>
-              <a:rPr lang="zh-TW" altLang="en-US" smtClean="0"/>
+              <a:rPr lang="zh-TW" altLang="en-US"/>
               <a:t>按一下以編輯母片標題樣式</a:t>
             </a:r>
-            <a:endParaRPr lang="zh-TW" altLang="en-US"/>
           </a:p>
         </p:txBody>
       </p:sp>
@@ -4474,38 +4376,37 @@
           <a:p>
             <a:pPr lvl="0"/>
             <a:r>
-              <a:rPr lang="zh-TW" altLang="en-US" smtClean="0"/>
+              <a:rPr lang="zh-TW" altLang="en-US"/>
               <a:t>編輯母片文字樣式</a:t>
             </a:r>
           </a:p>
           <a:p>
             <a:pPr lvl="1"/>
             <a:r>
-              <a:rPr lang="zh-TW" altLang="en-US" smtClean="0"/>
+              <a:rPr lang="zh-TW" altLang="en-US"/>
               <a:t>第二層</a:t>
             </a:r>
           </a:p>
           <a:p>
             <a:pPr lvl="2"/>
             <a:r>
-              <a:rPr lang="zh-TW" altLang="en-US" smtClean="0"/>
+              <a:rPr lang="zh-TW" altLang="en-US"/>
               <a:t>第三層</a:t>
             </a:r>
           </a:p>
           <a:p>
             <a:pPr lvl="3"/>
             <a:r>
-              <a:rPr lang="zh-TW" altLang="en-US" smtClean="0"/>
+              <a:rPr lang="zh-TW" altLang="en-US"/>
               <a:t>第四層</a:t>
             </a:r>
           </a:p>
           <a:p>
             <a:pPr lvl="4"/>
             <a:r>
-              <a:rPr lang="zh-TW" altLang="en-US" smtClean="0"/>
+              <a:rPr lang="zh-TW" altLang="en-US"/>
               <a:t>第五層</a:t>
             </a:r>
-            <a:endParaRPr lang="zh-TW" altLang="en-US"/>
           </a:p>
         </p:txBody>
       </p:sp>
@@ -4544,7 +4445,7 @@
           <a:p>
             <a:fld id="{B7272890-F69D-449F-B0CE-0F9649D5B9FA}" type="datetimeFigureOut">
               <a:rPr lang="zh-TW" altLang="en-US" smtClean="0"/>
-              <a:t>2024/6/4</a:t>
+              <a:t>2024/6/6</a:t>
             </a:fld>
             <a:endParaRPr lang="zh-TW" altLang="en-US"/>
           </a:p>
@@ -4649,13 +4550,6 @@
     <p:sldLayoutId id="2147483682" r:id="rId10"/>
     <p:sldLayoutId id="2147483683" r:id="rId11"/>
   </p:sldLayoutIdLst>
-  <p:timing>
-    <p:tnLst>
-      <p:par>
-        <p:cTn id="1" dur="indefinite" restart="never" nodeType="tmRoot"/>
-      </p:par>
-    </p:tnLst>
-  </p:timing>
   <p:txStyles>
     <p:titleStyle>
       <a:lvl1pPr algn="l" defTabSz="914400" rtl="0" eaLnBrk="1" latinLnBrk="0" hangingPunct="1">
@@ -5007,7 +4901,7 @@
               </a:lnSpc>
             </a:pPr>
             <a:r>
-              <a:rPr lang="en-US" altLang="zh-TW" sz="6000" dirty="0" smtClean="0">
+              <a:rPr lang="en-US" altLang="zh-TW" sz="6000" dirty="0">
                 <a:solidFill>
                   <a:schemeClr val="bg1">
                     <a:lumMod val="95000"/>
@@ -5017,10 +4911,10 @@
                 <a:ea typeface="微軟正黑體" panose="020B0604030504040204" pitchFamily="34" charset="-120"/>
                 <a:cs typeface="+mj-cs"/>
               </a:rPr>
-              <a:t>1A2B </a:t>
-            </a:r>
-            <a:r>
-              <a:rPr lang="en-US" altLang="zh-TW" sz="6000" dirty="0">
+              <a:t>1A2B – </a:t>
+            </a:r>
+            <a:r>
+              <a:rPr lang="zh-TW" altLang="en-US" sz="6000" dirty="0">
                 <a:solidFill>
                   <a:schemeClr val="bg1">
                     <a:lumMod val="95000"/>
@@ -5030,33 +4924,7 @@
                 <a:ea typeface="微軟正黑體" panose="020B0604030504040204" pitchFamily="34" charset="-120"/>
                 <a:cs typeface="+mj-cs"/>
               </a:rPr>
-              <a:t>– </a:t>
-            </a:r>
-            <a:r>
-              <a:rPr lang="zh-TW" altLang="en-US" sz="6000" dirty="0">
-                <a:solidFill>
-                  <a:schemeClr val="bg1">
-                    <a:lumMod val="95000"/>
-                  </a:schemeClr>
-                </a:solidFill>
-                <a:latin typeface="微軟正黑體" panose="020B0604030504040204" pitchFamily="34" charset="-120"/>
-                <a:ea typeface="微軟正黑體" panose="020B0604030504040204" pitchFamily="34" charset="-120"/>
-                <a:cs typeface="+mj-cs"/>
-              </a:rPr>
-              <a:t>猜數字</a:t>
-            </a:r>
-            <a:r>
-              <a:rPr lang="zh-TW" altLang="en-US" sz="6000" dirty="0" smtClean="0">
-                <a:solidFill>
-                  <a:schemeClr val="bg1">
-                    <a:lumMod val="95000"/>
-                  </a:schemeClr>
-                </a:solidFill>
-                <a:latin typeface="微軟正黑體" panose="020B0604030504040204" pitchFamily="34" charset="-120"/>
-                <a:ea typeface="微軟正黑體" panose="020B0604030504040204" pitchFamily="34" charset="-120"/>
-                <a:cs typeface="+mj-cs"/>
-              </a:rPr>
-              <a:t>遊戲༟</a:t>
+              <a:t>猜數字遊戲༟</a:t>
             </a:r>
             <a:endParaRPr lang="zh-TW" altLang="en-US" dirty="0">
               <a:solidFill>
@@ -5078,13 +4946,6 @@
   <p:clrMapOvr>
     <a:masterClrMapping/>
   </p:clrMapOvr>
-  <p:timing>
-    <p:tnLst>
-      <p:par>
-        <p:cTn id="1" dur="indefinite" restart="never" nodeType="tmRoot"/>
-      </p:par>
-    </p:tnLst>
-  </p:timing>
 </p:sld>
 </file>
 
@@ -5158,7 +5019,7 @@
               <a:buChar char="•"/>
             </a:pPr>
             <a:r>
-              <a:rPr lang="zh-TW" altLang="en-US" sz="2000" dirty="0" smtClean="0">
+              <a:rPr lang="zh-TW" altLang="en-US" sz="2000" dirty="0">
                 <a:solidFill>
                   <a:schemeClr val="bg1">
                     <a:lumMod val="95000"/>
@@ -5169,7 +5030,7 @@
               </a:rPr>
               <a:t>可隨機也可以自訂</a:t>
             </a:r>
-            <a:endParaRPr lang="en-US" altLang="zh-TW" sz="2000" dirty="0" smtClean="0">
+            <a:endParaRPr lang="en-US" altLang="zh-TW" sz="2000" dirty="0">
               <a:solidFill>
                 <a:schemeClr val="bg1">
                   <a:lumMod val="95000"/>
@@ -5188,7 +5049,7 @@
               <a:buChar char="•"/>
             </a:pPr>
             <a:r>
-              <a:rPr lang="zh-TW" altLang="en-US" sz="2000" dirty="0" smtClean="0">
+              <a:rPr lang="zh-TW" altLang="en-US" sz="2000" dirty="0">
                 <a:solidFill>
                   <a:schemeClr val="bg1">
                     <a:lumMod val="95000"/>
@@ -5200,7 +5061,7 @@
               <a:t>在</a:t>
             </a:r>
             <a:r>
-              <a:rPr lang="en-US" altLang="zh-TW" sz="2000" dirty="0" smtClean="0">
+              <a:rPr lang="en-US" altLang="zh-TW" sz="2000" dirty="0">
                 <a:solidFill>
                   <a:schemeClr val="bg1">
                     <a:lumMod val="95000"/>
@@ -5212,7 +5073,7 @@
               <a:t>0~9</a:t>
             </a:r>
             <a:r>
-              <a:rPr lang="zh-TW" altLang="en-US" sz="2000" dirty="0" smtClean="0">
+              <a:rPr lang="zh-TW" altLang="en-US" sz="2000" dirty="0">
                 <a:solidFill>
                   <a:schemeClr val="bg1">
                     <a:lumMod val="95000"/>
@@ -5223,7 +5084,7 @@
               </a:rPr>
               <a:t>裡面抽四次</a:t>
             </a:r>
-            <a:endParaRPr lang="en-US" altLang="zh-TW" sz="2000" dirty="0" smtClean="0">
+            <a:endParaRPr lang="en-US" altLang="zh-TW" sz="2000" dirty="0">
               <a:solidFill>
                 <a:schemeClr val="bg1">
                   <a:lumMod val="95000"/>
@@ -5283,7 +5144,7 @@
           <a:lstStyle/>
           <a:p>
             <a:r>
-              <a:rPr lang="zh-TW" altLang="en-US" dirty="0" smtClean="0">
+              <a:rPr lang="zh-TW" altLang="en-US" dirty="0">
                 <a:solidFill>
                   <a:schemeClr val="bg1">
                     <a:lumMod val="95000"/>
@@ -5294,15 +5155,6 @@
               </a:rPr>
               <a:t>出題方式</a:t>
             </a:r>
-            <a:endParaRPr lang="zh-TW" altLang="en-US" dirty="0">
-              <a:solidFill>
-                <a:schemeClr val="bg1">
-                  <a:lumMod val="95000"/>
-                </a:schemeClr>
-              </a:solidFill>
-              <a:latin typeface="微軟正黑體" panose="020B0604030504040204" pitchFamily="34" charset="-120"/>
-              <a:ea typeface="微軟正黑體" panose="020B0604030504040204" pitchFamily="34" charset="-120"/>
-            </a:endParaRPr>
           </a:p>
         </p:txBody>
       </p:sp>
@@ -5340,13 +5192,6 @@
   <p:clrMapOvr>
     <a:masterClrMapping/>
   </p:clrMapOvr>
-  <p:timing>
-    <p:tnLst>
-      <p:par>
-        <p:cTn id="1" dur="indefinite" restart="never" nodeType="tmRoot"/>
-      </p:par>
-    </p:tnLst>
-  </p:timing>
 </p:sld>
 </file>
 
@@ -5415,7 +5260,7 @@
           <a:lstStyle/>
           <a:p>
             <a:r>
-              <a:rPr lang="en-US" altLang="zh-TW" dirty="0" smtClean="0">
+              <a:rPr lang="en-US" altLang="zh-TW" dirty="0">
                 <a:solidFill>
                   <a:schemeClr val="bg1">
                     <a:lumMod val="95000"/>
@@ -5536,13 +5381,6 @@
   <p:clrMapOvr>
     <a:masterClrMapping/>
   </p:clrMapOvr>
-  <p:timing>
-    <p:tnLst>
-      <p:par>
-        <p:cTn id="1" dur="indefinite" restart="never" nodeType="tmRoot"/>
-      </p:par>
-    </p:tnLst>
-  </p:timing>
 </p:sld>
 </file>
 
@@ -5610,7 +5448,7 @@
           <a:p>
             <a:pPr algn="ctr"/>
             <a:r>
-              <a:rPr lang="zh-TW" altLang="en-US" sz="6000" dirty="0" smtClean="0">
+              <a:rPr lang="zh-TW" altLang="en-US" sz="6000" dirty="0">
                 <a:solidFill>
                   <a:schemeClr val="bg1">
                     <a:lumMod val="95000"/>
@@ -5642,13 +5480,6 @@
   <p:clrMapOvr>
     <a:masterClrMapping/>
   </p:clrMapOvr>
-  <p:timing>
-    <p:tnLst>
-      <p:par>
-        <p:cTn id="1" dur="indefinite" restart="never" nodeType="tmRoot"/>
-      </p:par>
-    </p:tnLst>
-  </p:timing>
 </p:sld>
 </file>
 
@@ -5679,13 +5510,6 @@
   <p:clrMapOvr>
     <a:masterClrMapping/>
   </p:clrMapOvr>
-  <p:timing>
-    <p:tnLst>
-      <p:par>
-        <p:cTn id="1" dur="indefinite" restart="never" nodeType="tmRoot"/>
-      </p:par>
-    </p:tnLst>
-  </p:timing>
 </p:sld>
 </file>
 
@@ -5887,13 +5711,6 @@
   <p:clrMapOvr>
     <a:masterClrMapping/>
   </p:clrMapOvr>
-  <p:timing>
-    <p:tnLst>
-      <p:par>
-        <p:cTn id="1" dur="indefinite" restart="never" nodeType="tmRoot"/>
-      </p:par>
-    </p:tnLst>
-  </p:timing>
 </p:sld>
 </file>
 
@@ -5971,22 +5788,10 @@
                 <a:latin typeface="微軟正黑體" panose="020B0604030504040204" pitchFamily="34" charset="-120"/>
                 <a:ea typeface="微軟正黑體" panose="020B0604030504040204" pitchFamily="34" charset="-120"/>
               </a:rPr>
-              <a:t>遊戲</a:t>
-            </a:r>
-            <a:r>
-              <a:rPr lang="zh-TW" altLang="en-US" dirty="0" smtClean="0">
-                <a:solidFill>
-                  <a:schemeClr val="bg1">
-                    <a:lumMod val="95000"/>
-                  </a:schemeClr>
-                </a:solidFill>
-                <a:latin typeface="微軟正黑體" panose="020B0604030504040204" pitchFamily="34" charset="-120"/>
-                <a:ea typeface="微軟正黑體" panose="020B0604030504040204" pitchFamily="34" charset="-120"/>
-              </a:rPr>
-              <a:t>介紹 </a:t>
-            </a:r>
-            <a:r>
-              <a:rPr lang="en-US" altLang="zh-TW" dirty="0" smtClean="0">
+              <a:t>遊戲介紹 </a:t>
+            </a:r>
+            <a:r>
+              <a:rPr lang="en-US" altLang="zh-TW" dirty="0">
                 <a:solidFill>
                   <a:schemeClr val="bg1">
                     <a:lumMod val="95000"/>
@@ -5998,7 +5803,7 @@
               <a:t>– </a:t>
             </a:r>
             <a:r>
-              <a:rPr lang="zh-TW" altLang="en-US" dirty="0" smtClean="0">
+              <a:rPr lang="zh-TW" altLang="en-US" dirty="0">
                 <a:solidFill>
                   <a:schemeClr val="bg1">
                     <a:lumMod val="95000"/>
@@ -6009,15 +5814,6 @@
               </a:rPr>
               <a:t>規則</a:t>
             </a:r>
-            <a:endParaRPr lang="zh-TW" altLang="en-US" dirty="0">
-              <a:solidFill>
-                <a:schemeClr val="bg1">
-                  <a:lumMod val="95000"/>
-                </a:schemeClr>
-              </a:solidFill>
-              <a:latin typeface="微軟正黑體" panose="020B0604030504040204" pitchFamily="34" charset="-120"/>
-              <a:ea typeface="微軟正黑體" panose="020B0604030504040204" pitchFamily="34" charset="-120"/>
-            </a:endParaRPr>
           </a:p>
         </p:txBody>
       </p:sp>
@@ -6083,21 +5879,9 @@
                 <a:latin typeface="微軟正黑體" panose="020B0604030504040204" pitchFamily="34" charset="-120"/>
                 <a:ea typeface="微軟正黑體" panose="020B0604030504040204" pitchFamily="34" charset="-120"/>
               </a:rPr>
-              <a:t>設定一組四碼的數字作為</a:t>
-            </a:r>
-            <a:r>
-              <a:rPr lang="zh-TW" altLang="en-US" sz="2200" dirty="0" smtClean="0">
-                <a:solidFill>
-                  <a:schemeClr val="bg1">
-                    <a:lumMod val="95000"/>
-                  </a:schemeClr>
-                </a:solidFill>
-                <a:latin typeface="微軟正黑體" panose="020B0604030504040204" pitchFamily="34" charset="-120"/>
-                <a:ea typeface="微軟正黑體" panose="020B0604030504040204" pitchFamily="34" charset="-120"/>
-              </a:rPr>
-              <a:t>謎底</a:t>
-            </a:r>
-            <a:endParaRPr lang="en-US" altLang="zh-TW" sz="2200" dirty="0" smtClean="0">
+              <a:t>設定一組四碼的數字作為謎底</a:t>
+            </a:r>
+            <a:endParaRPr lang="en-US" altLang="zh-TW" sz="2200" dirty="0">
               <a:solidFill>
                 <a:schemeClr val="bg1">
                   <a:lumMod val="95000"/>
@@ -6116,7 +5900,7 @@
               <a:buChar char="•"/>
             </a:pPr>
             <a:r>
-              <a:rPr lang="zh-TW" altLang="en-US" sz="2200" dirty="0" smtClean="0">
+              <a:rPr lang="zh-TW" altLang="en-US" sz="2200" dirty="0">
                 <a:solidFill>
                   <a:schemeClr val="bg1">
                     <a:lumMod val="95000"/>
@@ -6125,57 +5909,9 @@
                 <a:latin typeface="微軟正黑體" panose="020B0604030504040204" pitchFamily="34" charset="-120"/>
                 <a:ea typeface="微軟正黑體" panose="020B0604030504040204" pitchFamily="34" charset="-120"/>
               </a:rPr>
-              <a:t>玩家在猜的過程中。</a:t>
-            </a:r>
-            <a:r>
-              <a:rPr lang="zh-TW" altLang="en-US" sz="2200" dirty="0">
-                <a:solidFill>
-                  <a:schemeClr val="bg1">
-                    <a:lumMod val="95000"/>
-                  </a:schemeClr>
-                </a:solidFill>
-                <a:latin typeface="微軟正黑體" panose="020B0604030504040204" pitchFamily="34" charset="-120"/>
-                <a:ea typeface="微軟正黑體" panose="020B0604030504040204" pitchFamily="34" charset="-120"/>
-              </a:rPr>
-              <a:t>每猜</a:t>
-            </a:r>
-            <a:r>
-              <a:rPr lang="zh-TW" altLang="en-US" sz="2200" dirty="0" smtClean="0">
-                <a:solidFill>
-                  <a:schemeClr val="bg1">
-                    <a:lumMod val="95000"/>
-                  </a:schemeClr>
-                </a:solidFill>
-                <a:latin typeface="微軟正黑體" panose="020B0604030504040204" pitchFamily="34" charset="-120"/>
-                <a:ea typeface="微軟正黑體" panose="020B0604030504040204" pitchFamily="34" charset="-120"/>
-              </a:rPr>
-              <a:t>一組數</a:t>
-            </a:r>
-            <a:r>
-              <a:rPr lang="zh-TW" altLang="en-US" sz="2200" dirty="0">
-                <a:solidFill>
-                  <a:schemeClr val="bg1">
-                    <a:lumMod val="95000"/>
-                  </a:schemeClr>
-                </a:solidFill>
-                <a:latin typeface="微軟正黑體" panose="020B0604030504040204" pitchFamily="34" charset="-120"/>
-                <a:ea typeface="微軟正黑體" panose="020B0604030504040204" pitchFamily="34" charset="-120"/>
-              </a:rPr>
-              <a:t>，出數者就要根據這個數字給出</a:t>
-            </a:r>
-            <a:r>
-              <a:rPr lang="zh-TW" altLang="en-US" sz="2200" dirty="0" smtClean="0">
-                <a:solidFill>
-                  <a:schemeClr val="bg1">
-                    <a:lumMod val="95000"/>
-                  </a:schemeClr>
-                </a:solidFill>
-                <a:latin typeface="微軟正黑體" panose="020B0604030504040204" pitchFamily="34" charset="-120"/>
-                <a:ea typeface="微軟正黑體" panose="020B0604030504040204" pitchFamily="34" charset="-120"/>
-              </a:rPr>
-              <a:t>提示</a:t>
-            </a:r>
-            <a:endParaRPr lang="en-US" altLang="zh-TW" sz="2200" dirty="0" smtClean="0">
+              <a:t>玩家在猜的過程中。每猜一組數，出數者就要根據這個數字給出提示</a:t>
+            </a:r>
+            <a:endParaRPr lang="en-US" altLang="zh-TW" sz="2200" dirty="0">
               <a:solidFill>
                 <a:schemeClr val="bg1">
                   <a:lumMod val="95000"/>
@@ -6194,7 +5930,7 @@
               <a:buChar char="•"/>
             </a:pPr>
             <a:r>
-              <a:rPr lang="zh-TW" altLang="en-US" sz="2200" dirty="0" smtClean="0">
+              <a:rPr lang="zh-TW" altLang="en-US" sz="2200" dirty="0">
                 <a:solidFill>
                   <a:schemeClr val="bg1">
                     <a:lumMod val="95000"/>
@@ -6215,10 +5951,10 @@
                 <a:latin typeface="微軟正黑體" panose="020B0604030504040204" pitchFamily="34" charset="-120"/>
                 <a:ea typeface="微軟正黑體" panose="020B0604030504040204" pitchFamily="34" charset="-120"/>
               </a:rPr>
-              <a:t>_</a:t>
-            </a:r>
-            <a:r>
-              <a:rPr lang="en-US" altLang="zh-TW" sz="2200" dirty="0" smtClean="0">
+              <a:t>_A_B</a:t>
+            </a:r>
+            <a:r>
+              <a:rPr lang="zh-TW" altLang="en-US" sz="2200" dirty="0">
                 <a:solidFill>
                   <a:schemeClr val="bg1">
                     <a:lumMod val="95000"/>
@@ -6227,33 +5963,9 @@
                 <a:latin typeface="微軟正黑體" panose="020B0604030504040204" pitchFamily="34" charset="-120"/>
                 <a:ea typeface="微軟正黑體" panose="020B0604030504040204" pitchFamily="34" charset="-120"/>
               </a:rPr>
-              <a:t>A_B</a:t>
-            </a:r>
-            <a:r>
-              <a:rPr lang="zh-TW" altLang="en-US" sz="2200" dirty="0">
-                <a:solidFill>
-                  <a:schemeClr val="bg1">
-                    <a:lumMod val="95000"/>
-                  </a:schemeClr>
-                </a:solidFill>
-                <a:latin typeface="微軟正黑體" panose="020B0604030504040204" pitchFamily="34" charset="-120"/>
-                <a:ea typeface="微軟正黑體" panose="020B0604030504040204" pitchFamily="34" charset="-120"/>
-              </a:rPr>
-              <a:t>形式呈現，直到猜中</a:t>
-            </a:r>
-            <a:r>
-              <a:rPr lang="zh-TW" altLang="en-US" sz="2200" dirty="0" smtClean="0">
-                <a:solidFill>
-                  <a:schemeClr val="bg1">
-                    <a:lumMod val="95000"/>
-                  </a:schemeClr>
-                </a:solidFill>
-                <a:latin typeface="微軟正黑體" panose="020B0604030504040204" pitchFamily="34" charset="-120"/>
-                <a:ea typeface="微軟正黑體" panose="020B0604030504040204" pitchFamily="34" charset="-120"/>
-              </a:rPr>
-              <a:t>為止</a:t>
-            </a:r>
-            <a:endParaRPr lang="en-US" altLang="zh-TW" sz="2200" dirty="0" smtClean="0">
+              <a:t>形式呈現，直到猜中為止</a:t>
+            </a:r>
+            <a:endParaRPr lang="en-US" altLang="zh-TW" sz="2200" dirty="0">
               <a:solidFill>
                 <a:schemeClr val="bg1">
                   <a:lumMod val="95000"/>
@@ -6272,7 +5984,7 @@
               <a:buChar char="•"/>
             </a:pPr>
             <a:r>
-              <a:rPr lang="zh-TW" altLang="en-US" sz="2200" dirty="0" smtClean="0">
+              <a:rPr lang="zh-TW" altLang="en-US" sz="2200" dirty="0">
                 <a:solidFill>
                   <a:schemeClr val="bg1">
                     <a:lumMod val="95000"/>
@@ -6284,7 +5996,7 @@
               <a:t>其中</a:t>
             </a:r>
             <a:r>
-              <a:rPr lang="en-US" altLang="zh-TW" sz="2200" dirty="0" smtClean="0">
+              <a:rPr lang="en-US" altLang="zh-TW" sz="2200" dirty="0">
                 <a:solidFill>
                   <a:schemeClr val="bg1">
                     <a:lumMod val="95000"/>
@@ -6296,7 +6008,7 @@
               <a:t>A</a:t>
             </a:r>
             <a:r>
-              <a:rPr lang="zh-TW" altLang="en-US" sz="2200" dirty="0" smtClean="0">
+              <a:rPr lang="zh-TW" altLang="en-US" sz="2200" dirty="0">
                 <a:solidFill>
                   <a:schemeClr val="bg1">
                     <a:lumMod val="95000"/>
@@ -6305,34 +6017,10 @@
                 <a:latin typeface="微軟正黑體" panose="020B0604030504040204" pitchFamily="34" charset="-120"/>
                 <a:ea typeface="微軟正黑體" panose="020B0604030504040204" pitchFamily="34" charset="-120"/>
               </a:rPr>
-              <a:t>表示</a:t>
-            </a:r>
-            <a:r>
-              <a:rPr lang="zh-TW" altLang="en-US" sz="2200" dirty="0">
-                <a:solidFill>
-                  <a:schemeClr val="bg1">
-                    <a:lumMod val="95000"/>
-                  </a:schemeClr>
-                </a:solidFill>
-                <a:latin typeface="微軟正黑體" panose="020B0604030504040204" pitchFamily="34" charset="-120"/>
-                <a:ea typeface="微軟正黑體" panose="020B0604030504040204" pitchFamily="34" charset="-120"/>
-              </a:rPr>
-              <a:t>位置正確的數的個數，</a:t>
-            </a:r>
-            <a:r>
-              <a:rPr lang="zh-TW" altLang="en-US" sz="2200" dirty="0" smtClean="0">
-                <a:solidFill>
-                  <a:schemeClr val="bg1">
-                    <a:lumMod val="95000"/>
-                  </a:schemeClr>
-                </a:solidFill>
-                <a:latin typeface="微軟正黑體" panose="020B0604030504040204" pitchFamily="34" charset="-120"/>
-                <a:ea typeface="微軟正黑體" panose="020B0604030504040204" pitchFamily="34" charset="-120"/>
-              </a:rPr>
-              <a:t>而</a:t>
-            </a:r>
-            <a:r>
-              <a:rPr lang="en-US" altLang="zh-TW" sz="2200" dirty="0" smtClean="0">
+              <a:t>表示位置正確的數的個數，而</a:t>
+            </a:r>
+            <a:r>
+              <a:rPr lang="en-US" altLang="zh-TW" sz="2200" dirty="0">
                 <a:solidFill>
                   <a:schemeClr val="bg1">
                     <a:lumMod val="95000"/>
@@ -6344,7 +6032,7 @@
               <a:t>B</a:t>
             </a:r>
             <a:r>
-              <a:rPr lang="zh-TW" altLang="en-US" sz="2200" dirty="0" smtClean="0">
+              <a:rPr lang="zh-TW" altLang="en-US" sz="2200" dirty="0">
                 <a:solidFill>
                   <a:schemeClr val="bg1">
                     <a:lumMod val="95000"/>
@@ -6353,19 +6041,7 @@
                 <a:latin typeface="微軟正黑體" panose="020B0604030504040204" pitchFamily="34" charset="-120"/>
                 <a:ea typeface="微軟正黑體" panose="020B0604030504040204" pitchFamily="34" charset="-120"/>
               </a:rPr>
-              <a:t>表示</a:t>
-            </a:r>
-            <a:r>
-              <a:rPr lang="zh-TW" altLang="en-US" sz="2200" dirty="0">
-                <a:solidFill>
-                  <a:schemeClr val="bg1">
-                    <a:lumMod val="95000"/>
-                  </a:schemeClr>
-                </a:solidFill>
-                <a:latin typeface="微軟正黑體" panose="020B0604030504040204" pitchFamily="34" charset="-120"/>
-                <a:ea typeface="微軟正黑體" panose="020B0604030504040204" pitchFamily="34" charset="-120"/>
-              </a:rPr>
-              <a:t>數字正確而位置不對的數的個數。</a:t>
+              <a:t>表示數字正確而位置不對的數的個數。</a:t>
             </a:r>
           </a:p>
         </p:txBody>
@@ -6380,13 +6056,6 @@
   <p:clrMapOvr>
     <a:masterClrMapping/>
   </p:clrMapOvr>
-  <p:timing>
-    <p:tnLst>
-      <p:par>
-        <p:cTn id="1" dur="indefinite" restart="never" nodeType="tmRoot"/>
-      </p:par>
-    </p:tnLst>
-  </p:timing>
 </p:sld>
 </file>
 
@@ -6455,7 +6124,7 @@
           <a:lstStyle/>
           <a:p>
             <a:r>
-              <a:rPr lang="zh-TW" altLang="en-US" dirty="0" smtClean="0">
+              <a:rPr lang="zh-TW" altLang="en-US" dirty="0">
                 <a:solidFill>
                   <a:schemeClr val="bg1">
                     <a:lumMod val="95000"/>
@@ -6467,7 +6136,7 @@
               <a:t>流程圖 </a:t>
             </a:r>
             <a:r>
-              <a:rPr lang="en-US" altLang="zh-TW" dirty="0" smtClean="0">
+              <a:rPr lang="en-US" altLang="zh-TW" dirty="0">
                 <a:solidFill>
                   <a:schemeClr val="bg1">
                     <a:lumMod val="95000"/>
@@ -6479,7 +6148,7 @@
               <a:t>–</a:t>
             </a:r>
             <a:r>
-              <a:rPr lang="zh-TW" altLang="en-US" dirty="0" smtClean="0">
+              <a:rPr lang="zh-TW" altLang="en-US" dirty="0">
                 <a:solidFill>
                   <a:schemeClr val="bg1">
                     <a:lumMod val="95000"/>
@@ -6490,15 +6159,6 @@
               </a:rPr>
               <a:t> 基本版</a:t>
             </a:r>
-            <a:endParaRPr lang="zh-TW" altLang="en-US" dirty="0">
-              <a:solidFill>
-                <a:schemeClr val="bg1">
-                  <a:lumMod val="95000"/>
-                </a:schemeClr>
-              </a:solidFill>
-              <a:latin typeface="微軟正黑體" panose="020B0604030504040204" pitchFamily="34" charset="-120"/>
-              <a:ea typeface="微軟正黑體" panose="020B0604030504040204" pitchFamily="34" charset="-120"/>
-            </a:endParaRPr>
           </a:p>
         </p:txBody>
       </p:sp>
@@ -6553,7 +6213,7 @@
               </a:lnSpc>
             </a:pPr>
             <a:r>
-              <a:rPr lang="zh-TW" altLang="en-US" b="1" dirty="0" smtClean="0">
+              <a:rPr lang="zh-TW" altLang="en-US" b="1" dirty="0">
                 <a:solidFill>
                   <a:schemeClr val="bg1"/>
                 </a:solidFill>
@@ -6562,7 +6222,7 @@
               </a:rPr>
               <a:t>判斷</a:t>
             </a:r>
-            <a:endParaRPr lang="en-US" altLang="zh-TW" b="1" dirty="0" smtClean="0">
+            <a:endParaRPr lang="en-US" altLang="zh-TW" b="1" dirty="0">
               <a:solidFill>
                 <a:schemeClr val="bg1"/>
               </a:solidFill>
@@ -6577,7 +6237,7 @@
               </a:lnSpc>
             </a:pPr>
             <a:r>
-              <a:rPr lang="zh-TW" altLang="en-US" b="1" dirty="0" smtClean="0">
+              <a:rPr lang="zh-TW" altLang="en-US" b="1" dirty="0">
                 <a:solidFill>
                   <a:schemeClr val="bg1"/>
                 </a:solidFill>
@@ -6587,7 +6247,7 @@
               <a:t>幾</a:t>
             </a:r>
             <a:r>
-              <a:rPr lang="en-US" altLang="zh-TW" b="1" dirty="0" smtClean="0">
+              <a:rPr lang="en-US" altLang="zh-TW" b="1" dirty="0">
                 <a:solidFill>
                   <a:schemeClr val="bg1"/>
                 </a:solidFill>
@@ -6597,7 +6257,7 @@
               <a:t>A</a:t>
             </a:r>
             <a:r>
-              <a:rPr lang="zh-TW" altLang="en-US" b="1" dirty="0" smtClean="0">
+              <a:rPr lang="zh-TW" altLang="en-US" b="1" dirty="0">
                 <a:solidFill>
                   <a:schemeClr val="bg1"/>
                 </a:solidFill>
@@ -6607,7 +6267,7 @@
               <a:t>幾</a:t>
             </a:r>
             <a:r>
-              <a:rPr lang="en-US" altLang="zh-TW" b="1" dirty="0" smtClean="0">
+              <a:rPr lang="en-US" altLang="zh-TW" b="1" dirty="0">
                 <a:solidFill>
                   <a:schemeClr val="bg1"/>
                 </a:solidFill>
@@ -6677,7 +6337,7 @@
               </a:lnSpc>
             </a:pPr>
             <a:r>
-              <a:rPr lang="zh-TW" altLang="en-US" b="1" dirty="0" smtClean="0">
+              <a:rPr lang="zh-TW" altLang="en-US" b="1" dirty="0">
                 <a:solidFill>
                   <a:schemeClr val="bg1"/>
                 </a:solidFill>
@@ -6686,13 +6346,6 @@
               </a:rPr>
               <a:t>玩家猜數字</a:t>
             </a:r>
-            <a:endParaRPr lang="zh-TW" altLang="en-US" b="1" dirty="0">
-              <a:solidFill>
-                <a:schemeClr val="bg1"/>
-              </a:solidFill>
-              <a:latin typeface="微軟正黑體" panose="020B0604030504040204" pitchFamily="34" charset="-120"/>
-              <a:ea typeface="微軟正黑體" panose="020B0604030504040204" pitchFamily="34" charset="-120"/>
-            </a:endParaRPr>
           </a:p>
         </p:txBody>
       </p:sp>
@@ -6747,7 +6400,7 @@
               </a:lnSpc>
             </a:pPr>
             <a:r>
-              <a:rPr lang="zh-TW" altLang="en-US" b="1" dirty="0" smtClean="0">
+              <a:rPr lang="zh-TW" altLang="en-US" b="1" dirty="0">
                 <a:solidFill>
                   <a:schemeClr val="bg1"/>
                 </a:solidFill>
@@ -6756,13 +6409,6 @@
               </a:rPr>
               <a:t>遊戲勝利</a:t>
             </a:r>
-            <a:endParaRPr lang="zh-TW" altLang="en-US" b="1" dirty="0">
-              <a:solidFill>
-                <a:schemeClr val="bg1"/>
-              </a:solidFill>
-              <a:latin typeface="微軟正黑體" panose="020B0604030504040204" pitchFamily="34" charset="-120"/>
-              <a:ea typeface="微軟正黑體" panose="020B0604030504040204" pitchFamily="34" charset="-120"/>
-            </a:endParaRPr>
           </a:p>
         </p:txBody>
       </p:sp>
@@ -6821,16 +6467,9 @@
                 <a:latin typeface="微軟正黑體" panose="020B0604030504040204" pitchFamily="34" charset="-120"/>
                 <a:ea typeface="微軟正黑體" panose="020B0604030504040204" pitchFamily="34" charset="-120"/>
               </a:rPr>
-              <a:t>遊戲</a:t>
-            </a:r>
-            <a:r>
-              <a:rPr lang="zh-TW" altLang="en-US" b="1" dirty="0" smtClean="0">
-                <a:latin typeface="微軟正黑體" panose="020B0604030504040204" pitchFamily="34" charset="-120"/>
-                <a:ea typeface="微軟正黑體" panose="020B0604030504040204" pitchFamily="34" charset="-120"/>
-              </a:rPr>
-              <a:t>開始</a:t>
-            </a:r>
-            <a:endParaRPr lang="en-US" altLang="zh-TW" b="1" dirty="0" smtClean="0">
+              <a:t>遊戲開始</a:t>
+            </a:r>
+            <a:endParaRPr lang="en-US" altLang="zh-TW" b="1" dirty="0">
               <a:latin typeface="微軟正黑體" panose="020B0604030504040204" pitchFamily="34" charset="-120"/>
               <a:ea typeface="微軟正黑體" panose="020B0604030504040204" pitchFamily="34" charset="-120"/>
             </a:endParaRPr>
@@ -7045,7 +6684,7 @@
               </a:lnSpc>
             </a:pPr>
             <a:r>
-              <a:rPr lang="zh-TW" altLang="en-US" b="1" dirty="0" smtClean="0">
+              <a:rPr lang="zh-TW" altLang="en-US" b="1" dirty="0">
                 <a:solidFill>
                   <a:schemeClr val="bg1"/>
                 </a:solidFill>
@@ -7054,7 +6693,7 @@
               </a:rPr>
               <a:t>全對</a:t>
             </a:r>
-            <a:endParaRPr lang="en-US" altLang="zh-TW" b="1" dirty="0" smtClean="0">
+            <a:endParaRPr lang="en-US" altLang="zh-TW" b="1" dirty="0">
               <a:solidFill>
                 <a:schemeClr val="bg1"/>
               </a:solidFill>
@@ -7092,7 +6731,7 @@
               </a:lnSpc>
             </a:pPr>
             <a:r>
-              <a:rPr lang="zh-TW" altLang="en-US" b="1" dirty="0" smtClean="0">
+              <a:rPr lang="zh-TW" altLang="en-US" b="1" dirty="0">
                 <a:solidFill>
                   <a:schemeClr val="bg1"/>
                 </a:solidFill>
@@ -7101,13 +6740,6 @@
               </a:rPr>
               <a:t>沒猜對繼續猜</a:t>
             </a:r>
-            <a:endParaRPr lang="zh-TW" altLang="en-US" b="1" dirty="0">
-              <a:solidFill>
-                <a:schemeClr val="bg1"/>
-              </a:solidFill>
-              <a:latin typeface="微軟正黑體" panose="020B0604030504040204" pitchFamily="34" charset="-120"/>
-              <a:ea typeface="微軟正黑體" panose="020B0604030504040204" pitchFamily="34" charset="-120"/>
-            </a:endParaRPr>
           </a:p>
         </p:txBody>
       </p:sp>
@@ -7139,7 +6771,7 @@
               </a:lnSpc>
             </a:pPr>
             <a:r>
-              <a:rPr lang="en-US" altLang="zh-TW" b="1" dirty="0" smtClean="0">
+              <a:rPr lang="en-US" altLang="zh-TW" b="1" dirty="0">
                 <a:solidFill>
                   <a:schemeClr val="bg1"/>
                 </a:solidFill>
@@ -7168,13 +6800,6 @@
   <p:clrMapOvr>
     <a:masterClrMapping/>
   </p:clrMapOvr>
-  <p:timing>
-    <p:tnLst>
-      <p:par>
-        <p:cTn id="1" dur="indefinite" restart="never" nodeType="tmRoot"/>
-      </p:par>
-    </p:tnLst>
-  </p:timing>
 </p:sld>
 </file>
 
@@ -7248,7 +6873,7 @@
               <a:buChar char="•"/>
             </a:pPr>
             <a:r>
-              <a:rPr lang="zh-TW" altLang="en-US" sz="2000" dirty="0" smtClean="0">
+              <a:rPr lang="zh-TW" altLang="en-US" sz="2000" dirty="0">
                 <a:solidFill>
                   <a:schemeClr val="bg1">
                     <a:lumMod val="95000"/>
@@ -7258,7 +6883,7 @@
               <a:t>導入</a:t>
             </a:r>
             <a:r>
-              <a:rPr lang="en-US" altLang="zh-TW" sz="2000" dirty="0" smtClean="0">
+              <a:rPr lang="en-US" altLang="zh-TW" sz="2000" dirty="0">
                 <a:solidFill>
                   <a:schemeClr val="bg1">
                     <a:lumMod val="95000"/>
@@ -7295,59 +6920,9 @@
                   </a:schemeClr>
                 </a:solidFill>
               </a:rPr>
-              <a:t>模組</a:t>
-            </a:r>
-            <a:r>
-              <a:rPr lang="zh-TW" altLang="en-US" sz="2000" dirty="0" smtClean="0">
-                <a:solidFill>
-                  <a:schemeClr val="bg1">
-                    <a:lumMod val="95000"/>
-                  </a:schemeClr>
-                </a:solidFill>
-              </a:rPr>
-              <a:t>，</a:t>
-            </a:r>
-            <a:r>
-              <a:rPr lang="zh-TW" altLang="en-US" sz="2000" dirty="0">
-                <a:solidFill>
-                  <a:schemeClr val="bg1">
-                    <a:lumMod val="95000"/>
-                  </a:schemeClr>
-                </a:solidFill>
-              </a:rPr>
-              <a:t>用他</a:t>
-            </a:r>
-            <a:r>
-              <a:rPr lang="zh-TW" altLang="en-US" sz="2000" dirty="0" smtClean="0">
-                <a:solidFill>
-                  <a:schemeClr val="bg1">
-                    <a:lumMod val="95000"/>
-                  </a:schemeClr>
-                </a:solidFill>
-              </a:rPr>
-              <a:t>生成</a:t>
-            </a:r>
-            <a:r>
-              <a:rPr lang="zh-TW" altLang="en-US" sz="2000" dirty="0">
-                <a:solidFill>
-                  <a:schemeClr val="bg1">
-                    <a:lumMod val="95000"/>
-                  </a:schemeClr>
-                </a:solidFill>
-              </a:rPr>
-              <a:t>隨機數的</a:t>
-            </a:r>
-            <a:r>
-              <a:rPr lang="zh-TW" altLang="en-US" sz="2000" dirty="0" smtClean="0">
-                <a:solidFill>
-                  <a:schemeClr val="bg1">
-                    <a:lumMod val="95000"/>
-                  </a:schemeClr>
-                </a:solidFill>
-              </a:rPr>
-              <a:t>函數</a:t>
-            </a:r>
-            <a:endParaRPr lang="en-US" altLang="zh-TW" sz="2000" dirty="0" smtClean="0">
+              <a:t>模組，用他生成隨機數的函數</a:t>
+            </a:r>
+            <a:endParaRPr lang="en-US" altLang="zh-TW" sz="2000" dirty="0">
               <a:solidFill>
                 <a:schemeClr val="bg1">
                   <a:lumMod val="95000"/>
@@ -7431,39 +7006,29 @@
                   </a:schemeClr>
                 </a:solidFill>
               </a:rPr>
-              <a:t>個不同的</a:t>
-            </a:r>
-            <a:r>
-              <a:rPr lang="zh-TW" altLang="en-US" sz="2000" dirty="0" smtClean="0">
+              <a:t>個不同的數字組成一個</a:t>
+            </a:r>
+            <a:r>
+              <a:rPr lang="en-US" altLang="zh-TW" sz="2000" dirty="0">
                 <a:solidFill>
                   <a:schemeClr val="bg1">
                     <a:lumMod val="95000"/>
                   </a:schemeClr>
                 </a:solidFill>
               </a:rPr>
-              <a:t>數字組成一個</a:t>
-            </a:r>
-            <a:r>
-              <a:rPr lang="en-US" altLang="zh-TW" sz="2000" dirty="0" smtClean="0">
+              <a:t>list</a:t>
+            </a:r>
+            <a:r>
+              <a:rPr lang="zh-TW" altLang="en-US" sz="2000" dirty="0">
                 <a:solidFill>
                   <a:schemeClr val="bg1">
                     <a:lumMod val="95000"/>
                   </a:schemeClr>
                 </a:solidFill>
               </a:rPr>
-              <a:t>list</a:t>
-            </a:r>
-            <a:r>
-              <a:rPr lang="zh-TW" altLang="en-US" sz="2000" dirty="0" smtClean="0">
-                <a:solidFill>
-                  <a:schemeClr val="bg1">
-                    <a:lumMod val="95000"/>
-                  </a:schemeClr>
-                </a:solidFill>
-              </a:rPr>
               <a:t>。</a:t>
             </a:r>
-            <a:endParaRPr lang="en-US" altLang="zh-TW" sz="2000" dirty="0" smtClean="0">
+            <a:endParaRPr lang="en-US" altLang="zh-TW" sz="2000" dirty="0">
               <a:solidFill>
                 <a:schemeClr val="bg1">
                   <a:lumMod val="95000"/>
@@ -7480,7 +7045,7 @@
               <a:buChar char="•"/>
             </a:pPr>
             <a:r>
-              <a:rPr lang="en-US" altLang="zh-TW" sz="2000" dirty="0" smtClean="0">
+              <a:rPr lang="en-US" altLang="zh-TW" sz="2000" dirty="0">
                 <a:solidFill>
                   <a:schemeClr val="bg1">
                     <a:lumMod val="95000"/>
@@ -7490,7 +7055,7 @@
               <a:t>a, b </a:t>
             </a:r>
             <a:r>
-              <a:rPr lang="zh-TW" altLang="en-US" sz="2000" dirty="0" smtClean="0">
+              <a:rPr lang="zh-TW" altLang="en-US" sz="2000" dirty="0">
                 <a:solidFill>
                   <a:schemeClr val="bg1">
                     <a:lumMod val="95000"/>
@@ -7499,7 +7064,7 @@
               </a:rPr>
               <a:t>用來計算答案</a:t>
             </a:r>
-            <a:endParaRPr lang="en-US" altLang="zh-TW" sz="2000" dirty="0" smtClean="0">
+            <a:endParaRPr lang="en-US" altLang="zh-TW" sz="2000" dirty="0">
               <a:solidFill>
                 <a:schemeClr val="bg1">
                   <a:lumMod val="95000"/>
@@ -7516,7 +7081,7 @@
               <a:buChar char="•"/>
             </a:pPr>
             <a:r>
-              <a:rPr lang="en-US" altLang="zh-TW" sz="2000" dirty="0" smtClean="0">
+              <a:rPr lang="en-US" altLang="zh-TW" sz="2000" dirty="0">
                 <a:solidFill>
                   <a:schemeClr val="bg1">
                     <a:lumMod val="95000"/>
@@ -7526,7 +7091,7 @@
               <a:t>n</a:t>
             </a:r>
             <a:r>
-              <a:rPr lang="zh-TW" altLang="en-US" sz="2000" dirty="0" smtClean="0">
+              <a:rPr lang="zh-TW" altLang="en-US" sz="2000" dirty="0">
                 <a:solidFill>
                   <a:schemeClr val="bg1">
                     <a:lumMod val="95000"/>
@@ -7535,7 +7100,7 @@
               </a:rPr>
               <a:t>用來記錄比較的位置</a:t>
             </a:r>
-            <a:endParaRPr lang="en-US" altLang="zh-TW" sz="2000" dirty="0" smtClean="0">
+            <a:endParaRPr lang="en-US" altLang="zh-TW" sz="2000" dirty="0">
               <a:solidFill>
                 <a:schemeClr val="bg1">
                   <a:lumMod val="95000"/>
@@ -7552,7 +7117,7 @@
               <a:buChar char="•"/>
             </a:pPr>
             <a:r>
-              <a:rPr lang="zh-TW" altLang="en-US" sz="2000" dirty="0" smtClean="0">
+              <a:rPr lang="zh-TW" altLang="en-US" sz="2000" dirty="0">
                 <a:solidFill>
                   <a:schemeClr val="bg1">
                     <a:lumMod val="95000"/>
@@ -7561,7 +7126,7 @@
               </a:rPr>
               <a:t>依序比較猜測的數字</a:t>
             </a:r>
-            <a:endParaRPr lang="en-US" altLang="zh-TW" sz="2000" dirty="0" smtClean="0">
+            <a:endParaRPr lang="en-US" altLang="zh-TW" sz="2000" dirty="0">
               <a:solidFill>
                 <a:schemeClr val="bg1">
                   <a:lumMod val="95000"/>
@@ -7578,7 +7143,7 @@
               <a:buChar char="•"/>
             </a:pPr>
             <a:r>
-              <a:rPr lang="zh-TW" altLang="en-US" sz="2000" dirty="0" smtClean="0">
+              <a:rPr lang="zh-TW" altLang="en-US" sz="2000" dirty="0">
                 <a:solidFill>
                   <a:schemeClr val="bg1">
                     <a:lumMod val="95000"/>
@@ -7587,7 +7152,7 @@
               </a:rPr>
               <a:t>沒有全對就重新猜一次</a:t>
             </a:r>
-            <a:endParaRPr lang="en-US" altLang="zh-TW" sz="2000" dirty="0" smtClean="0">
+            <a:endParaRPr lang="en-US" altLang="zh-TW" sz="2000" dirty="0">
               <a:solidFill>
                 <a:schemeClr val="bg1">
                   <a:lumMod val="95000"/>
@@ -7645,7 +7210,7 @@
           <a:lstStyle/>
           <a:p>
             <a:r>
-              <a:rPr lang="zh-TW" altLang="en-US" dirty="0" smtClean="0">
+              <a:rPr lang="zh-TW" altLang="en-US" dirty="0">
                 <a:solidFill>
                   <a:schemeClr val="bg1">
                     <a:lumMod val="95000"/>
@@ -7656,15 +7221,6 @@
               </a:rPr>
               <a:t>程式碼</a:t>
             </a:r>
-            <a:endParaRPr lang="zh-TW" altLang="en-US" dirty="0">
-              <a:solidFill>
-                <a:schemeClr val="bg1">
-                  <a:lumMod val="95000"/>
-                </a:schemeClr>
-              </a:solidFill>
-              <a:latin typeface="微軟正黑體" panose="020B0604030504040204" pitchFamily="34" charset="-120"/>
-              <a:ea typeface="微軟正黑體" panose="020B0604030504040204" pitchFamily="34" charset="-120"/>
-            </a:endParaRPr>
           </a:p>
         </p:txBody>
       </p:sp>
@@ -7702,13 +7258,6 @@
   <p:clrMapOvr>
     <a:masterClrMapping/>
   </p:clrMapOvr>
-  <p:timing>
-    <p:tnLst>
-      <p:par>
-        <p:cTn id="1" dur="indefinite" restart="never" nodeType="tmRoot"/>
-      </p:par>
-    </p:tnLst>
-  </p:timing>
 </p:sld>
 </file>
 
@@ -7777,7 +7326,7 @@
           <a:lstStyle/>
           <a:p>
             <a:r>
-              <a:rPr lang="zh-TW" altLang="en-US" dirty="0" smtClean="0">
+              <a:rPr lang="zh-TW" altLang="en-US" dirty="0">
                 <a:solidFill>
                   <a:schemeClr val="bg1">
                     <a:lumMod val="95000"/>
@@ -7788,15 +7337,6 @@
               </a:rPr>
               <a:t>程式碼</a:t>
             </a:r>
-            <a:endParaRPr lang="zh-TW" altLang="en-US" dirty="0">
-              <a:solidFill>
-                <a:schemeClr val="bg1">
-                  <a:lumMod val="95000"/>
-                </a:schemeClr>
-              </a:solidFill>
-              <a:latin typeface="微軟正黑體" panose="020B0604030504040204" pitchFamily="34" charset="-120"/>
-              <a:ea typeface="微軟正黑體" panose="020B0604030504040204" pitchFamily="34" charset="-120"/>
-            </a:endParaRPr>
           </a:p>
         </p:txBody>
       </p:sp>
@@ -7858,13 +7398,6 @@
   <p:clrMapOvr>
     <a:masterClrMapping/>
   </p:clrMapOvr>
-  <p:timing>
-    <p:tnLst>
-      <p:par>
-        <p:cTn id="1" dur="indefinite" restart="never" nodeType="tmRoot"/>
-      </p:par>
-    </p:tnLst>
-  </p:timing>
 </p:sld>
 </file>
 
@@ -7933,7 +7466,7 @@
           <a:lstStyle/>
           <a:p>
             <a:r>
-              <a:rPr lang="zh-TW" altLang="en-US" dirty="0" smtClean="0">
+              <a:rPr lang="zh-TW" altLang="en-US" dirty="0">
                 <a:solidFill>
                   <a:schemeClr val="bg1">
                     <a:lumMod val="95000"/>
@@ -7944,15 +7477,6 @@
               </a:rPr>
               <a:t>問題？</a:t>
             </a:r>
-            <a:endParaRPr lang="zh-TW" altLang="en-US" dirty="0">
-              <a:solidFill>
-                <a:schemeClr val="bg1">
-                  <a:lumMod val="95000"/>
-                </a:schemeClr>
-              </a:solidFill>
-              <a:latin typeface="微軟正黑體" panose="020B0604030504040204" pitchFamily="34" charset="-120"/>
-              <a:ea typeface="微軟正黑體" panose="020B0604030504040204" pitchFamily="34" charset="-120"/>
-            </a:endParaRPr>
           </a:p>
         </p:txBody>
       </p:sp>
@@ -8009,7 +7533,7 @@
               <a:buChar char="•"/>
             </a:pPr>
             <a:r>
-              <a:rPr lang="zh-TW" altLang="en-US" sz="2200" dirty="0" smtClean="0">
+              <a:rPr lang="zh-TW" altLang="en-US" sz="2200" dirty="0">
                 <a:solidFill>
                   <a:schemeClr val="bg1">
                     <a:lumMod val="95000"/>
@@ -8018,19 +7542,7 @@
                 <a:latin typeface="微軟正黑體" panose="020B0604030504040204" pitchFamily="34" charset="-120"/>
                 <a:ea typeface="微軟正黑體" panose="020B0604030504040204" pitchFamily="34" charset="-120"/>
               </a:rPr>
-              <a:t>輸入英文字咧、</a:t>
-            </a:r>
-            <a:r>
-              <a:rPr lang="zh-TW" altLang="en-US" sz="2200" dirty="0">
-                <a:solidFill>
-                  <a:schemeClr val="bg1">
-                    <a:lumMod val="95000"/>
-                  </a:schemeClr>
-                </a:solidFill>
-                <a:latin typeface="微軟正黑體" panose="020B0604030504040204" pitchFamily="34" charset="-120"/>
-                <a:ea typeface="微軟正黑體" panose="020B0604030504040204" pitchFamily="34" charset="-120"/>
-              </a:rPr>
-              <a:t>不是輸入</a:t>
+              <a:t>輸入英文字、不是輸入</a:t>
             </a:r>
             <a:r>
               <a:rPr lang="en-US" altLang="zh-TW" sz="2200" dirty="0">
@@ -8054,21 +7566,9 @@
                 <a:latin typeface="微軟正黑體" panose="020B0604030504040204" pitchFamily="34" charset="-120"/>
                 <a:ea typeface="微軟正黑體" panose="020B0604030504040204" pitchFamily="34" charset="-120"/>
               </a:rPr>
-              <a:t>個字</a:t>
-            </a:r>
-            <a:r>
-              <a:rPr lang="zh-TW" altLang="en-US" sz="2200" dirty="0" smtClean="0">
-                <a:solidFill>
-                  <a:schemeClr val="bg1">
-                    <a:lumMod val="95000"/>
-                  </a:schemeClr>
-                </a:solidFill>
-                <a:latin typeface="微軟正黑體" panose="020B0604030504040204" pitchFamily="34" charset="-120"/>
-                <a:ea typeface="微軟正黑體" panose="020B0604030504040204" pitchFamily="34" charset="-120"/>
-              </a:rPr>
-              <a:t>咧？</a:t>
-            </a:r>
-            <a:endParaRPr lang="en-US" altLang="zh-TW" sz="2200" dirty="0" smtClean="0">
+              <a:t>個字咧？</a:t>
+            </a:r>
+            <a:endParaRPr lang="en-US" altLang="zh-TW" sz="2200" dirty="0">
               <a:solidFill>
                 <a:schemeClr val="bg1">
                   <a:lumMod val="95000"/>
@@ -8087,7 +7587,7 @@
               <a:buChar char="•"/>
             </a:pPr>
             <a:r>
-              <a:rPr lang="zh-TW" altLang="en-US" sz="2200" dirty="0" smtClean="0">
+              <a:rPr lang="zh-TW" altLang="en-US" sz="2200" dirty="0">
                 <a:solidFill>
                   <a:schemeClr val="bg1">
                     <a:lumMod val="95000"/>
@@ -8098,7 +7598,7 @@
               </a:rPr>
               <a:t>多人玩怎麼要怎麼玩？</a:t>
             </a:r>
-            <a:endParaRPr lang="en-US" altLang="zh-TW" sz="2200" dirty="0" smtClean="0">
+            <a:endParaRPr lang="en-US" altLang="zh-TW" sz="2200" dirty="0">
               <a:solidFill>
                 <a:schemeClr val="bg1">
                   <a:lumMod val="95000"/>
@@ -8117,7 +7617,7 @@
               <a:buChar char="•"/>
             </a:pPr>
             <a:r>
-              <a:rPr lang="zh-TW" altLang="en-US" sz="2200" dirty="0" smtClean="0">
+              <a:rPr lang="zh-TW" altLang="en-US" sz="2200" dirty="0">
                 <a:solidFill>
                   <a:schemeClr val="bg1">
                     <a:lumMod val="95000"/>
@@ -8128,7 +7628,7 @@
               </a:rPr>
               <a:t>想看之前猜過得看不到，能不能整理得方便看一點？</a:t>
             </a:r>
-            <a:endParaRPr lang="en-US" altLang="zh-TW" sz="2200" dirty="0" smtClean="0">
+            <a:endParaRPr lang="en-US" altLang="zh-TW" sz="2200" dirty="0">
               <a:solidFill>
                 <a:schemeClr val="bg1">
                   <a:lumMod val="95000"/>
@@ -8147,7 +7647,7 @@
               <a:buChar char="•"/>
             </a:pPr>
             <a:r>
-              <a:rPr lang="zh-TW" altLang="en-US" sz="2200" dirty="0" smtClean="0">
+              <a:rPr lang="zh-TW" altLang="en-US" sz="2200" dirty="0">
                 <a:solidFill>
                   <a:schemeClr val="bg1">
                     <a:lumMod val="95000"/>
@@ -8158,15 +7658,6 @@
               </a:rPr>
               <a:t>不能重複數字太簡單？</a:t>
             </a:r>
-            <a:endParaRPr lang="zh-TW" altLang="en-US" sz="2200" dirty="0">
-              <a:solidFill>
-                <a:schemeClr val="bg1">
-                  <a:lumMod val="95000"/>
-                </a:schemeClr>
-              </a:solidFill>
-              <a:latin typeface="微軟正黑體" panose="020B0604030504040204" pitchFamily="34" charset="-120"/>
-              <a:ea typeface="微軟正黑體" panose="020B0604030504040204" pitchFamily="34" charset="-120"/>
-            </a:endParaRPr>
           </a:p>
         </p:txBody>
       </p:sp>
@@ -8180,13 +7671,6 @@
   <p:clrMapOvr>
     <a:masterClrMapping/>
   </p:clrMapOvr>
-  <p:timing>
-    <p:tnLst>
-      <p:par>
-        <p:cTn id="1" dur="indefinite" restart="never" nodeType="tmRoot"/>
-      </p:par>
-    </p:tnLst>
-  </p:timing>
 </p:sld>
 </file>
 
@@ -8260,7 +7744,7 @@
               <a:buChar char="•"/>
             </a:pPr>
             <a:r>
-              <a:rPr lang="zh-TW" altLang="en-US" sz="2000" dirty="0" smtClean="0">
+              <a:rPr lang="zh-TW" altLang="en-US" sz="2000" dirty="0">
                 <a:solidFill>
                   <a:schemeClr val="bg1">
                     <a:lumMod val="95000"/>
@@ -8271,7 +7755,7 @@
               </a:rPr>
               <a:t>兩個判斷式</a:t>
             </a:r>
-            <a:endParaRPr lang="en-US" altLang="zh-TW" sz="2000" dirty="0" smtClean="0">
+            <a:endParaRPr lang="en-US" altLang="zh-TW" sz="2000" dirty="0">
               <a:solidFill>
                 <a:schemeClr val="bg1">
                   <a:lumMod val="95000"/>
@@ -8299,21 +7783,9 @@
                 <a:latin typeface="微軟正黑體" panose="020B0604030504040204" pitchFamily="34" charset="-120"/>
                 <a:ea typeface="微軟正黑體" panose="020B0604030504040204" pitchFamily="34" charset="-120"/>
               </a:rPr>
-              <a:t>第一個判斷</a:t>
-            </a:r>
-            <a:r>
-              <a:rPr lang="zh-TW" altLang="en-US" sz="2000" dirty="0" smtClean="0">
-                <a:solidFill>
-                  <a:schemeClr val="bg1">
-                    <a:lumMod val="95000"/>
-                  </a:schemeClr>
-                </a:solidFill>
-                <a:latin typeface="微軟正黑體" panose="020B0604030504040204" pitchFamily="34" charset="-120"/>
-                <a:ea typeface="微軟正黑體" panose="020B0604030504040204" pitchFamily="34" charset="-120"/>
-              </a:rPr>
-              <a:t>長度</a:t>
-            </a:r>
-            <a:endParaRPr lang="en-US" altLang="zh-TW" sz="2000" dirty="0" smtClean="0">
+              <a:t>第一個判斷長度</a:t>
+            </a:r>
+            <a:endParaRPr lang="en-US" altLang="zh-TW" sz="2000" dirty="0">
               <a:solidFill>
                 <a:schemeClr val="bg1">
                   <a:lumMod val="95000"/>
@@ -8341,21 +7813,9 @@
                 <a:latin typeface="微軟正黑體" panose="020B0604030504040204" pitchFamily="34" charset="-120"/>
                 <a:ea typeface="微軟正黑體" panose="020B0604030504040204" pitchFamily="34" charset="-120"/>
               </a:rPr>
-              <a:t>第二個</a:t>
-            </a:r>
-            <a:r>
-              <a:rPr lang="zh-TW" altLang="en-US" sz="2000" dirty="0" smtClean="0">
-                <a:solidFill>
-                  <a:schemeClr val="bg1">
-                    <a:lumMod val="95000"/>
-                  </a:schemeClr>
-                </a:solidFill>
-                <a:latin typeface="微軟正黑體" panose="020B0604030504040204" pitchFamily="34" charset="-120"/>
-                <a:ea typeface="微軟正黑體" panose="020B0604030504040204" pitchFamily="34" charset="-120"/>
-              </a:rPr>
-              <a:t>判斷是不是數字</a:t>
-            </a:r>
-            <a:endParaRPr lang="en-US" altLang="zh-TW" sz="2000" dirty="0" smtClean="0">
+              <a:t>第二個判斷是不是數字</a:t>
+            </a:r>
+            <a:endParaRPr lang="en-US" altLang="zh-TW" sz="2000" dirty="0">
               <a:solidFill>
                 <a:schemeClr val="bg1">
                   <a:lumMod val="95000"/>
@@ -8374,7 +7834,7 @@
               <a:buChar char="•"/>
             </a:pPr>
             <a:r>
-              <a:rPr lang="zh-TW" altLang="en-US" sz="2000" dirty="0" smtClean="0">
+              <a:rPr lang="zh-TW" altLang="en-US" sz="2000" dirty="0">
                 <a:solidFill>
                   <a:schemeClr val="bg1">
                     <a:lumMod val="95000"/>
@@ -8385,7 +7845,7 @@
               </a:rPr>
               <a:t>全都符合才會過</a:t>
             </a:r>
-            <a:endParaRPr lang="en-US" altLang="zh-TW" sz="2000" dirty="0" smtClean="0">
+            <a:endParaRPr lang="en-US" altLang="zh-TW" sz="2000" dirty="0">
               <a:solidFill>
                 <a:schemeClr val="bg1">
                   <a:lumMod val="95000"/>
@@ -8493,13 +7953,6 @@
   <p:clrMapOvr>
     <a:masterClrMapping/>
   </p:clrMapOvr>
-  <p:timing>
-    <p:tnLst>
-      <p:par>
-        <p:cTn id="1" dur="indefinite" restart="never" nodeType="tmRoot"/>
-      </p:par>
-    </p:tnLst>
-  </p:timing>
 </p:sld>
 </file>
 
@@ -8573,7 +8026,7 @@
               <a:buChar char="•"/>
             </a:pPr>
             <a:r>
-              <a:rPr lang="zh-TW" altLang="en-US" sz="2000" dirty="0" smtClean="0">
+              <a:rPr lang="zh-TW" altLang="en-US" sz="2000" dirty="0">
                 <a:solidFill>
                   <a:schemeClr val="bg1">
                     <a:lumMod val="95000"/>
@@ -8584,7 +8037,7 @@
               </a:rPr>
               <a:t>就這樣</a:t>
             </a:r>
-            <a:endParaRPr lang="en-US" altLang="zh-TW" sz="2000" dirty="0" smtClean="0">
+            <a:endParaRPr lang="en-US" altLang="zh-TW" sz="2000" dirty="0">
               <a:solidFill>
                 <a:schemeClr val="bg1">
                   <a:lumMod val="95000"/>
@@ -8603,7 +8056,7 @@
               <a:buChar char="•"/>
             </a:pPr>
             <a:r>
-              <a:rPr lang="zh-TW" altLang="en-US" sz="2000" dirty="0" smtClean="0">
+              <a:rPr lang="zh-TW" altLang="en-US" sz="2000" dirty="0">
                 <a:solidFill>
                   <a:schemeClr val="bg1">
                     <a:lumMod val="95000"/>
@@ -8612,21 +8065,9 @@
                 <a:latin typeface="微軟正黑體" panose="020B0604030504040204" pitchFamily="34" charset="-120"/>
                 <a:ea typeface="微軟正黑體" panose="020B0604030504040204" pitchFamily="34" charset="-120"/>
               </a:rPr>
-              <a:t>記得要輪流</a:t>
-            </a:r>
-            <a:r>
-              <a:rPr lang="zh-TW" altLang="en-US" sz="2000" dirty="0" smtClean="0">
-                <a:solidFill>
-                  <a:schemeClr val="bg1">
-                    <a:lumMod val="95000"/>
-                  </a:schemeClr>
-                </a:solidFill>
-                <a:latin typeface="微軟正黑體" panose="020B0604030504040204" pitchFamily="34" charset="-120"/>
-                <a:ea typeface="微軟正黑體" panose="020B0604030504040204" pitchFamily="34" charset="-120"/>
-              </a:rPr>
-              <a:t>玩</a:t>
-            </a:r>
-            <a:endParaRPr lang="en-US" altLang="zh-TW" sz="2000" dirty="0" smtClean="0">
+              <a:t>記得要輪流玩</a:t>
+            </a:r>
+            <a:endParaRPr lang="en-US" altLang="zh-TW" sz="2000" dirty="0">
               <a:solidFill>
                 <a:schemeClr val="bg1">
                   <a:lumMod val="95000"/>
@@ -8645,7 +8086,7 @@
               <a:buChar char="•"/>
             </a:pPr>
             <a:r>
-              <a:rPr lang="zh-TW" altLang="en-US" sz="2000" smtClean="0">
+              <a:rPr lang="zh-TW" altLang="en-US" sz="2000">
                 <a:solidFill>
                   <a:schemeClr val="bg1">
                     <a:lumMod val="95000"/>
@@ -8656,7 +8097,7 @@
               </a:rPr>
               <a:t>剩下的是魔法</a:t>
             </a:r>
-            <a:endParaRPr lang="en-US" altLang="zh-TW" sz="2000" dirty="0" smtClean="0">
+            <a:endParaRPr lang="en-US" altLang="zh-TW" sz="2000" dirty="0">
               <a:solidFill>
                 <a:schemeClr val="bg1">
                   <a:lumMod val="95000"/>
@@ -8716,7 +8157,7 @@
           <a:lstStyle/>
           <a:p>
             <a:r>
-              <a:rPr lang="zh-TW" altLang="en-US" dirty="0" smtClean="0">
+              <a:rPr lang="zh-TW" altLang="en-US" dirty="0">
                 <a:solidFill>
                   <a:schemeClr val="bg1">
                     <a:lumMod val="95000"/>
@@ -8727,15 +8168,6 @@
               </a:rPr>
               <a:t>多人遊戲</a:t>
             </a:r>
-            <a:endParaRPr lang="zh-TW" altLang="en-US" dirty="0">
-              <a:solidFill>
-                <a:schemeClr val="bg1">
-                  <a:lumMod val="95000"/>
-                </a:schemeClr>
-              </a:solidFill>
-              <a:latin typeface="微軟正黑體" panose="020B0604030504040204" pitchFamily="34" charset="-120"/>
-              <a:ea typeface="微軟正黑體" panose="020B0604030504040204" pitchFamily="34" charset="-120"/>
-            </a:endParaRPr>
           </a:p>
         </p:txBody>
       </p:sp>
@@ -8773,13 +8205,6 @@
   <p:clrMapOvr>
     <a:masterClrMapping/>
   </p:clrMapOvr>
-  <p:timing>
-    <p:tnLst>
-      <p:par>
-        <p:cTn id="1" dur="indefinite" restart="never" nodeType="tmRoot"/>
-      </p:par>
-    </p:tnLst>
-  </p:timing>
 </p:sld>
 </file>
 
@@ -8853,7 +8278,7 @@
               <a:buChar char="•"/>
             </a:pPr>
             <a:r>
-              <a:rPr lang="zh-TW" altLang="en-US" sz="2000" dirty="0" smtClean="0">
+              <a:rPr lang="zh-TW" altLang="en-US" sz="2000" dirty="0">
                 <a:solidFill>
                   <a:schemeClr val="bg1">
                     <a:lumMod val="95000"/>
@@ -8862,33 +8287,9 @@
                 <a:latin typeface="微軟正黑體" panose="020B0604030504040204" pitchFamily="34" charset="-120"/>
                 <a:ea typeface="微軟正黑體" panose="020B0604030504040204" pitchFamily="34" charset="-120"/>
               </a:rPr>
-              <a:t>沒有</a:t>
-            </a:r>
-            <a:r>
-              <a:rPr lang="zh-TW" altLang="en-US" sz="2000" dirty="0">
-                <a:solidFill>
-                  <a:schemeClr val="bg1">
-                    <a:lumMod val="95000"/>
-                  </a:schemeClr>
-                </a:solidFill>
-                <a:latin typeface="微軟正黑體" panose="020B0604030504040204" pitchFamily="34" charset="-120"/>
-                <a:ea typeface="微軟正黑體" panose="020B0604030504040204" pitchFamily="34" charset="-120"/>
-              </a:rPr>
-              <a:t>人</a:t>
-            </a:r>
-            <a:r>
-              <a:rPr lang="zh-TW" altLang="en-US" sz="2000" dirty="0" smtClean="0">
-                <a:solidFill>
-                  <a:schemeClr val="bg1">
-                    <a:lumMod val="95000"/>
-                  </a:schemeClr>
-                </a:solidFill>
-                <a:latin typeface="微軟正黑體" panose="020B0604030504040204" pitchFamily="34" charset="-120"/>
-                <a:ea typeface="微軟正黑體" panose="020B0604030504040204" pitchFamily="34" charset="-120"/>
-              </a:rPr>
-              <a:t>這樣寫程式</a:t>
-            </a:r>
-            <a:endParaRPr lang="en-US" altLang="zh-TW" sz="2000" dirty="0" smtClean="0">
+              <a:t>沒有人這樣寫程式</a:t>
+            </a:r>
+            <a:endParaRPr lang="en-US" altLang="zh-TW" sz="2000" dirty="0">
               <a:solidFill>
                 <a:schemeClr val="bg1">
                   <a:lumMod val="95000"/>
@@ -8918,7 +8319,7 @@
               </a:rPr>
               <a:t>但比較好看</a:t>
             </a:r>
-            <a:endParaRPr lang="en-US" altLang="zh-TW" sz="2000" dirty="0" smtClean="0">
+            <a:endParaRPr lang="en-US" altLang="zh-TW" sz="2000" dirty="0">
               <a:solidFill>
                 <a:schemeClr val="bg1">
                   <a:lumMod val="95000"/>
@@ -8978,7 +8379,7 @@
           <a:lstStyle/>
           <a:p>
             <a:r>
-              <a:rPr lang="zh-TW" altLang="en-US" dirty="0" smtClean="0">
+              <a:rPr lang="zh-TW" altLang="en-US" dirty="0">
                 <a:solidFill>
                   <a:schemeClr val="bg1">
                     <a:lumMod val="95000"/>
@@ -8989,15 +8390,6 @@
               </a:rPr>
               <a:t>顯示</a:t>
             </a:r>
-            <a:endParaRPr lang="zh-TW" altLang="en-US" dirty="0">
-              <a:solidFill>
-                <a:schemeClr val="bg1">
-                  <a:lumMod val="95000"/>
-                </a:schemeClr>
-              </a:solidFill>
-              <a:latin typeface="微軟正黑體" panose="020B0604030504040204" pitchFamily="34" charset="-120"/>
-              <a:ea typeface="微軟正黑體" panose="020B0604030504040204" pitchFamily="34" charset="-120"/>
-            </a:endParaRPr>
           </a:p>
         </p:txBody>
       </p:sp>
@@ -9035,13 +8427,6 @@
   <p:clrMapOvr>
     <a:masterClrMapping/>
   </p:clrMapOvr>
-  <p:timing>
-    <p:tnLst>
-      <p:par>
-        <p:cTn id="1" dur="indefinite" restart="never" nodeType="tmRoot"/>
-      </p:par>
-    </p:tnLst>
-  </p:timing>
 </p:sld>
 </file>
 

--- a/assi_1A2B.pptx
+++ b/assi_1A2B.pptx
@@ -5,7 +5,7 @@
     <p:sldMasterId id="2147483672" r:id="rId1"/>
   </p:sldMasterIdLst>
   <p:notesMasterIdLst>
-    <p:notesMasterId r:id="rId16"/>
+    <p:notesMasterId r:id="rId17"/>
   </p:notesMasterIdLst>
   <p:sldIdLst>
     <p:sldId id="276" r:id="rId2"/>
@@ -20,8 +20,9 @@
     <p:sldId id="287" r:id="rId11"/>
     <p:sldId id="289" r:id="rId12"/>
     <p:sldId id="290" r:id="rId13"/>
-    <p:sldId id="288" r:id="rId14"/>
-    <p:sldId id="281" r:id="rId15"/>
+    <p:sldId id="291" r:id="rId14"/>
+    <p:sldId id="288" r:id="rId15"/>
+    <p:sldId id="281" r:id="rId16"/>
   </p:sldIdLst>
   <p:sldSz cx="12192000" cy="6858000"/>
   <p:notesSz cx="6858000" cy="9144000"/>
@@ -210,7 +211,7 @@
           <a:p>
             <a:fld id="{B1E0D0B8-5A52-4500-A57C-3C5B67571018}" type="datetimeFigureOut">
               <a:rPr lang="zh-TW" altLang="en-US" smtClean="0"/>
-              <a:t>2024/6/6</a:t>
+              <a:t>2024/6/12</a:t>
             </a:fld>
             <a:endParaRPr lang="zh-TW" altLang="en-US"/>
           </a:p>
@@ -690,7 +691,7 @@
           <a:p>
             <a:fld id="{B7272890-F69D-449F-B0CE-0F9649D5B9FA}" type="datetimeFigureOut">
               <a:rPr lang="zh-TW" altLang="en-US" smtClean="0"/>
-              <a:t>2024/6/6</a:t>
+              <a:t>2024/6/12</a:t>
             </a:fld>
             <a:endParaRPr lang="zh-TW" altLang="en-US"/>
           </a:p>
@@ -1041,7 +1042,7 @@
           <a:p>
             <a:fld id="{B7272890-F69D-449F-B0CE-0F9649D5B9FA}" type="datetimeFigureOut">
               <a:rPr lang="zh-TW" altLang="en-US" smtClean="0"/>
-              <a:t>2024/6/6</a:t>
+              <a:t>2024/6/12</a:t>
             </a:fld>
             <a:endParaRPr lang="zh-TW" altLang="en-US"/>
           </a:p>
@@ -1346,7 +1347,7 @@
           <a:p>
             <a:fld id="{B7272890-F69D-449F-B0CE-0F9649D5B9FA}" type="datetimeFigureOut">
               <a:rPr lang="zh-TW" altLang="en-US" smtClean="0"/>
-              <a:t>2024/6/6</a:t>
+              <a:t>2024/6/12</a:t>
             </a:fld>
             <a:endParaRPr lang="zh-TW" altLang="en-US"/>
           </a:p>
@@ -1641,7 +1642,7 @@
           <a:p>
             <a:fld id="{B7272890-F69D-449F-B0CE-0F9649D5B9FA}" type="datetimeFigureOut">
               <a:rPr lang="zh-TW" altLang="en-US" smtClean="0"/>
-              <a:t>2024/6/6</a:t>
+              <a:t>2024/6/12</a:t>
             </a:fld>
             <a:endParaRPr lang="zh-TW" altLang="en-US"/>
           </a:p>
@@ -2013,7 +2014,7 @@
           <a:p>
             <a:fld id="{B7272890-F69D-449F-B0CE-0F9649D5B9FA}" type="datetimeFigureOut">
               <a:rPr lang="zh-TW" altLang="en-US" smtClean="0"/>
-              <a:t>2024/6/6</a:t>
+              <a:t>2024/6/12</a:t>
             </a:fld>
             <a:endParaRPr lang="zh-TW" altLang="en-US"/>
           </a:p>
@@ -2369,7 +2370,7 @@
           <a:p>
             <a:fld id="{B7272890-F69D-449F-B0CE-0F9649D5B9FA}" type="datetimeFigureOut">
               <a:rPr lang="zh-TW" altLang="en-US" smtClean="0"/>
-              <a:t>2024/6/6</a:t>
+              <a:t>2024/6/12</a:t>
             </a:fld>
             <a:endParaRPr lang="zh-TW" altLang="en-US"/>
           </a:p>
@@ -2987,7 +2988,7 @@
           <a:p>
             <a:fld id="{B7272890-F69D-449F-B0CE-0F9649D5B9FA}" type="datetimeFigureOut">
               <a:rPr lang="zh-TW" altLang="en-US" smtClean="0"/>
-              <a:t>2024/6/6</a:t>
+              <a:t>2024/6/12</a:t>
             </a:fld>
             <a:endParaRPr lang="zh-TW" altLang="en-US"/>
           </a:p>
@@ -3104,7 +3105,7 @@
           <a:p>
             <a:fld id="{B7272890-F69D-449F-B0CE-0F9649D5B9FA}" type="datetimeFigureOut">
               <a:rPr lang="zh-TW" altLang="en-US" smtClean="0"/>
-              <a:t>2024/6/6</a:t>
+              <a:t>2024/6/12</a:t>
             </a:fld>
             <a:endParaRPr lang="zh-TW" altLang="en-US"/>
           </a:p>
@@ -3326,7 +3327,7 @@
           <a:p>
             <a:fld id="{B7272890-F69D-449F-B0CE-0F9649D5B9FA}" type="datetimeFigureOut">
               <a:rPr lang="zh-TW" altLang="en-US" smtClean="0"/>
-              <a:t>2024/6/6</a:t>
+              <a:t>2024/6/12</a:t>
             </a:fld>
             <a:endParaRPr lang="zh-TW" altLang="en-US"/>
           </a:p>
@@ -3728,7 +3729,7 @@
           <a:p>
             <a:fld id="{B7272890-F69D-449F-B0CE-0F9649D5B9FA}" type="datetimeFigureOut">
               <a:rPr lang="zh-TW" altLang="en-US" smtClean="0"/>
-              <a:t>2024/6/6</a:t>
+              <a:t>2024/6/12</a:t>
             </a:fld>
             <a:endParaRPr lang="zh-TW" altLang="en-US"/>
           </a:p>
@@ -4107,7 +4108,7 @@
           <a:p>
             <a:fld id="{B7272890-F69D-449F-B0CE-0F9649D5B9FA}" type="datetimeFigureOut">
               <a:rPr lang="zh-TW" altLang="en-US" smtClean="0"/>
-              <a:t>2024/6/6</a:t>
+              <a:t>2024/6/12</a:t>
             </a:fld>
             <a:endParaRPr lang="zh-TW" altLang="en-US"/>
           </a:p>
@@ -4445,7 +4446,7 @@
           <a:p>
             <a:fld id="{B7272890-F69D-449F-B0CE-0F9649D5B9FA}" type="datetimeFigureOut">
               <a:rPr lang="zh-TW" altLang="en-US" smtClean="0"/>
-              <a:t>2024/6/6</a:t>
+              <a:t>2024/6/12</a:t>
             </a:fld>
             <a:endParaRPr lang="zh-TW" altLang="en-US"/>
           </a:p>
@@ -5500,6 +5501,177 @@
           <a:chExt cx="0" cy="0"/>
         </a:xfrm>
       </p:grpSpPr>
+      <p:sp>
+        <p:nvSpPr>
+          <p:cNvPr id="2" name="標題 1"/>
+          <p:cNvSpPr>
+            <a:spLocks noGrp="1"/>
+          </p:cNvSpPr>
+          <p:nvPr>
+            <p:ph type="title"/>
+          </p:nvPr>
+        </p:nvSpPr>
+        <p:spPr>
+          <a:xfrm>
+            <a:off x="356462" y="5538651"/>
+            <a:ext cx="10515600" cy="1084217"/>
+          </a:xfrm>
+          <a:noFill/>
+          <a:ln w="57150" cap="flat" cmpd="sng" algn="ctr">
+            <a:noFill/>
+            <a:prstDash val="solid"/>
+            <a:round/>
+            <a:headEnd type="none" w="med" len="med"/>
+            <a:tailEnd type="none" w="med" len="med"/>
+          </a:ln>
+        </p:spPr>
+        <p:style>
+          <a:lnRef idx="0">
+            <a:scrgbClr r="0" g="0" b="0"/>
+          </a:lnRef>
+          <a:fillRef idx="0">
+            <a:scrgbClr r="0" g="0" b="0"/>
+          </a:fillRef>
+          <a:effectRef idx="0">
+            <a:scrgbClr r="0" g="0" b="0"/>
+          </a:effectRef>
+          <a:fontRef idx="minor">
+            <a:schemeClr val="accent3"/>
+          </a:fontRef>
+        </p:style>
+        <p:txBody>
+          <a:bodyPr rot="0" spcFirstLastPara="0" vertOverflow="overflow" horzOverflow="overflow" vert="horz" wrap="square" lIns="91440" tIns="45720" rIns="91440" bIns="45720" numCol="1" spcCol="0" rtlCol="0" fromWordArt="0" anchor="ctr" anchorCtr="0" forceAA="0" compatLnSpc="1">
+            <a:prstTxWarp prst="textNoShape">
+              <a:avLst/>
+            </a:prstTxWarp>
+            <a:noAutofit/>
+          </a:bodyPr>
+          <a:lstStyle/>
+          <a:p>
+            <a:r>
+              <a:rPr lang="en-US" altLang="zh-TW" dirty="0" smtClean="0">
+                <a:solidFill>
+                  <a:schemeClr val="bg1">
+                    <a:lumMod val="95000"/>
+                  </a:schemeClr>
+                </a:solidFill>
+                <a:latin typeface="微軟正黑體" panose="020B0604030504040204" pitchFamily="34" charset="-120"/>
+                <a:ea typeface="微軟正黑體" panose="020B0604030504040204" pitchFamily="34" charset="-120"/>
+              </a:rPr>
+              <a:t>GitHub</a:t>
+            </a:r>
+            <a:endParaRPr lang="zh-TW" altLang="en-US" dirty="0">
+              <a:solidFill>
+                <a:schemeClr val="bg1">
+                  <a:lumMod val="95000"/>
+                </a:schemeClr>
+              </a:solidFill>
+              <a:latin typeface="微軟正黑體" panose="020B0604030504040204" pitchFamily="34" charset="-120"/>
+              <a:ea typeface="微軟正黑體" panose="020B0604030504040204" pitchFamily="34" charset="-120"/>
+            </a:endParaRPr>
+          </a:p>
+        </p:txBody>
+      </p:sp>
+      <p:sp>
+        <p:nvSpPr>
+          <p:cNvPr id="7" name="圓角矩形 6"/>
+          <p:cNvSpPr/>
+          <p:nvPr/>
+        </p:nvSpPr>
+        <p:spPr>
+          <a:xfrm>
+            <a:off x="888274" y="421438"/>
+            <a:ext cx="10450286" cy="4480560"/>
+          </a:xfrm>
+          <a:prstGeom prst="roundRect">
+            <a:avLst/>
+          </a:prstGeom>
+          <a:noFill/>
+          <a:ln w="57150" cap="flat" cmpd="sng" algn="ctr">
+            <a:solidFill>
+              <a:schemeClr val="bg1">
+                <a:lumMod val="95000"/>
+              </a:schemeClr>
+            </a:solidFill>
+            <a:prstDash val="solid"/>
+            <a:round/>
+            <a:headEnd type="none" w="med" len="med"/>
+            <a:tailEnd type="none" w="med" len="med"/>
+          </a:ln>
+        </p:spPr>
+        <p:style>
+          <a:lnRef idx="0">
+            <a:scrgbClr r="0" g="0" b="0"/>
+          </a:lnRef>
+          <a:fillRef idx="0">
+            <a:scrgbClr r="0" g="0" b="0"/>
+          </a:fillRef>
+          <a:effectRef idx="0">
+            <a:scrgbClr r="0" g="0" b="0"/>
+          </a:effectRef>
+          <a:fontRef idx="minor">
+            <a:schemeClr val="accent3"/>
+          </a:fontRef>
+        </p:style>
+        <p:txBody>
+          <a:bodyPr rtlCol="0" anchor="ctr"/>
+          <a:lstStyle/>
+          <a:p>
+            <a:pPr marL="342900" indent="-342900">
+              <a:lnSpc>
+                <a:spcPct val="150000"/>
+              </a:lnSpc>
+              <a:buFont typeface="Arial" panose="020B0604020202020204" pitchFamily="34" charset="0"/>
+              <a:buChar char="•"/>
+            </a:pPr>
+            <a:r>
+              <a:rPr lang="fr-FR" altLang="zh-TW" sz="2400">
+                <a:hlinkClick r:id="rId2"/>
+              </a:rPr>
+              <a:t>63nnn/1A2B: ASS_final (github.com)</a:t>
+            </a:r>
+            <a:endParaRPr lang="zh-TW" altLang="en-US" sz="2200" dirty="0">
+              <a:solidFill>
+                <a:schemeClr val="bg1">
+                  <a:lumMod val="95000"/>
+                </a:schemeClr>
+              </a:solidFill>
+              <a:latin typeface="微軟正黑體" panose="020B0604030504040204" pitchFamily="34" charset="-120"/>
+              <a:ea typeface="微軟正黑體" panose="020B0604030504040204" pitchFamily="34" charset="-120"/>
+            </a:endParaRPr>
+          </a:p>
+        </p:txBody>
+      </p:sp>
+    </p:spTree>
+    <p:extLst>
+      <p:ext uri="{BB962C8B-B14F-4D97-AF65-F5344CB8AC3E}">
+        <p14:creationId xmlns:p14="http://schemas.microsoft.com/office/powerpoint/2010/main" val="970824009"/>
+      </p:ext>
+    </p:extLst>
+  </p:cSld>
+  <p:clrMapOvr>
+    <a:masterClrMapping/>
+  </p:clrMapOvr>
+</p:sld>
+</file>
+
+<file path=ppt/slides/slide14.xml><?xml version="1.0" encoding="utf-8"?>
+<p:sld xmlns:a="http://schemas.openxmlformats.org/drawingml/2006/main" xmlns:r="http://schemas.openxmlformats.org/officeDocument/2006/relationships" xmlns:p="http://schemas.openxmlformats.org/presentationml/2006/main">
+  <p:cSld>
+    <p:spTree>
+      <p:nvGrpSpPr>
+        <p:cNvPr id="1" name=""/>
+        <p:cNvGrpSpPr/>
+        <p:nvPr/>
+      </p:nvGrpSpPr>
+      <p:grpSpPr>
+        <a:xfrm>
+          <a:off x="0" y="0"/>
+          <a:ext cx="0" cy="0"/>
+          <a:chOff x="0" y="0"/>
+          <a:chExt cx="0" cy="0"/>
+        </a:xfrm>
+      </p:grpSpPr>
     </p:spTree>
     <p:extLst>
       <p:ext uri="{BB962C8B-B14F-4D97-AF65-F5344CB8AC3E}">
@@ -5513,7 +5685,7 @@
 </p:sld>
 </file>
 
-<file path=ppt/slides/slide14.xml><?xml version="1.0" encoding="utf-8"?>
+<file path=ppt/slides/slide15.xml><?xml version="1.0" encoding="utf-8"?>
 <p:sld xmlns:a="http://schemas.openxmlformats.org/drawingml/2006/main" xmlns:r="http://schemas.openxmlformats.org/officeDocument/2006/relationships" xmlns:p="http://schemas.openxmlformats.org/presentationml/2006/main">
   <p:cSld>
     <p:spTree>
